--- a/Docs/Project_UniPlay_Overview.pptx
+++ b/Docs/Project_UniPlay_Overview.pptx
@@ -5,7 +5,7 @@
     <p:sldMasterId id="2147483660" r:id="rId1"/>
   </p:sldMasterIdLst>
   <p:notesMasterIdLst>
-    <p:notesMasterId r:id="rId23"/>
+    <p:notesMasterId r:id="rId25"/>
   </p:notesMasterIdLst>
   <p:sldIdLst>
     <p:sldId id="256" r:id="rId2"/>
@@ -25,13 +25,15 @@
     <p:sldId id="277" r:id="rId16"/>
     <p:sldId id="278" r:id="rId17"/>
     <p:sldId id="279" r:id="rId18"/>
-    <p:sldId id="280" r:id="rId19"/>
-    <p:sldId id="281" r:id="rId20"/>
-    <p:sldId id="282" r:id="rId21"/>
-    <p:sldId id="286" r:id="rId22"/>
+    <p:sldId id="287" r:id="rId19"/>
+    <p:sldId id="288" r:id="rId20"/>
+    <p:sldId id="280" r:id="rId21"/>
+    <p:sldId id="281" r:id="rId22"/>
+    <p:sldId id="282" r:id="rId23"/>
+    <p:sldId id="286" r:id="rId24"/>
   </p:sldIdLst>
   <p:sldSz cx="9144000" cy="6858000" type="screen4x3"/>
-  <p:notesSz cx="6858000" cy="9144000"/>
+  <p:notesSz cx="6888163" cy="10018713"/>
   <p:defaultTextStyle>
     <a:defPPr>
       <a:defRPr lang="ko-KR"/>
@@ -149,6 +151,8 @@
             <p14:sldId id="277"/>
             <p14:sldId id="278"/>
             <p14:sldId id="279"/>
+            <p14:sldId id="287"/>
+            <p14:sldId id="288"/>
             <p14:sldId id="280"/>
             <p14:sldId id="281"/>
             <p14:sldId id="282"/>
@@ -199,17 +203,17 @@
         <p:spPr>
           <a:xfrm>
             <a:off x="0" y="0"/>
-            <a:ext cx="2971800" cy="458788"/>
+            <a:ext cx="2984871" cy="502676"/>
           </a:xfrm>
           <a:prstGeom prst="rect">
             <a:avLst/>
           </a:prstGeom>
         </p:spPr>
         <p:txBody>
-          <a:bodyPr vert="horz" lIns="91440" tIns="45720" rIns="91440" bIns="45720" rtlCol="0"/>
+          <a:bodyPr vert="horz" lIns="96606" tIns="48303" rIns="96606" bIns="48303" rtlCol="0"/>
           <a:lstStyle>
             <a:lvl1pPr algn="l">
-              <a:defRPr sz="1200"/>
+              <a:defRPr sz="1300"/>
             </a:lvl1pPr>
           </a:lstStyle>
           <a:p>
@@ -229,18 +233,18 @@
         </p:nvSpPr>
         <p:spPr>
           <a:xfrm>
-            <a:off x="3884613" y="0"/>
-            <a:ext cx="2971800" cy="458788"/>
+            <a:off x="3901698" y="0"/>
+            <a:ext cx="2984871" cy="502676"/>
           </a:xfrm>
           <a:prstGeom prst="rect">
             <a:avLst/>
           </a:prstGeom>
         </p:spPr>
         <p:txBody>
-          <a:bodyPr vert="horz" lIns="91440" tIns="45720" rIns="91440" bIns="45720" rtlCol="0"/>
+          <a:bodyPr vert="horz" lIns="96606" tIns="48303" rIns="96606" bIns="48303" rtlCol="0"/>
           <a:lstStyle>
             <a:lvl1pPr algn="r">
-              <a:defRPr sz="1200"/>
+              <a:defRPr sz="1300"/>
             </a:lvl1pPr>
           </a:lstStyle>
           <a:p>
@@ -264,8 +268,8 @@
         </p:nvSpPr>
         <p:spPr>
           <a:xfrm>
-            <a:off x="1371600" y="1143000"/>
-            <a:ext cx="4114800" cy="3086100"/>
+            <a:off x="1190625" y="1252538"/>
+            <a:ext cx="4506913" cy="3381375"/>
           </a:xfrm>
           <a:prstGeom prst="rect">
             <a:avLst/>
@@ -278,7 +282,7 @@
           </a:ln>
         </p:spPr>
         <p:txBody>
-          <a:bodyPr vert="horz" lIns="91440" tIns="45720" rIns="91440" bIns="45720" rtlCol="0" anchor="ctr"/>
+          <a:bodyPr vert="horz" lIns="96606" tIns="48303" rIns="96606" bIns="48303" rtlCol="0" anchor="ctr"/>
           <a:lstStyle/>
           <a:p>
             <a:endParaRPr lang="ko-KR" altLang="en-US"/>
@@ -297,15 +301,15 @@
         </p:nvSpPr>
         <p:spPr>
           <a:xfrm>
-            <a:off x="685800" y="4400550"/>
-            <a:ext cx="5486400" cy="3600450"/>
+            <a:off x="688817" y="4821506"/>
+            <a:ext cx="5510530" cy="3944868"/>
           </a:xfrm>
           <a:prstGeom prst="rect">
             <a:avLst/>
           </a:prstGeom>
         </p:spPr>
         <p:txBody>
-          <a:bodyPr vert="horz" lIns="91440" tIns="45720" rIns="91440" bIns="45720" rtlCol="0"/>
+          <a:bodyPr vert="horz" lIns="96606" tIns="48303" rIns="96606" bIns="48303" rtlCol="0"/>
           <a:lstStyle/>
           <a:p>
             <a:pPr lvl="0"/>
@@ -356,18 +360,18 @@
         </p:nvSpPr>
         <p:spPr>
           <a:xfrm>
-            <a:off x="0" y="8685213"/>
-            <a:ext cx="2971800" cy="458787"/>
+            <a:off x="0" y="9516039"/>
+            <a:ext cx="2984871" cy="502674"/>
           </a:xfrm>
           <a:prstGeom prst="rect">
             <a:avLst/>
           </a:prstGeom>
         </p:spPr>
         <p:txBody>
-          <a:bodyPr vert="horz" lIns="91440" tIns="45720" rIns="91440" bIns="45720" rtlCol="0" anchor="b"/>
+          <a:bodyPr vert="horz" lIns="96606" tIns="48303" rIns="96606" bIns="48303" rtlCol="0" anchor="b"/>
           <a:lstStyle>
             <a:lvl1pPr algn="l">
-              <a:defRPr sz="1200"/>
+              <a:defRPr sz="1300"/>
             </a:lvl1pPr>
           </a:lstStyle>
           <a:p>
@@ -387,18 +391,18 @@
         </p:nvSpPr>
         <p:spPr>
           <a:xfrm>
-            <a:off x="3884613" y="8685213"/>
-            <a:ext cx="2971800" cy="458787"/>
+            <a:off x="3901698" y="9516039"/>
+            <a:ext cx="2984871" cy="502674"/>
           </a:xfrm>
           <a:prstGeom prst="rect">
             <a:avLst/>
           </a:prstGeom>
         </p:spPr>
         <p:txBody>
-          <a:bodyPr vert="horz" lIns="91440" tIns="45720" rIns="91440" bIns="45720" rtlCol="0" anchor="b"/>
+          <a:bodyPr vert="horz" lIns="96606" tIns="48303" rIns="96606" bIns="48303" rtlCol="0" anchor="b"/>
           <a:lstStyle>
             <a:lvl1pPr algn="r">
-              <a:defRPr sz="1200"/>
+              <a:defRPr sz="1300"/>
             </a:lvl1pPr>
           </a:lstStyle>
           <a:p>
@@ -8594,7 +8598,7 @@
         <p:cNvPr id="1" name="">
           <a:extLst>
             <a:ext uri="{FF2B5EF4-FFF2-40B4-BE49-F238E27FC236}">
-              <a16:creationId xmlns:a16="http://schemas.microsoft.com/office/drawing/2014/main" id="{9D89C081-3223-F17E-E8F5-47B3507B4A1E}"/>
+              <a16:creationId xmlns:a16="http://schemas.microsoft.com/office/drawing/2014/main" id="{509C80C1-1393-EC87-F856-CDDB74082DC2}"/>
             </a:ext>
           </a:extLst>
         </p:cNvPr>
@@ -8614,7 +8618,7 @@
           <p:cNvPr id="2" name="TextBox 1">
             <a:extLst>
               <a:ext uri="{FF2B5EF4-FFF2-40B4-BE49-F238E27FC236}">
-                <a16:creationId xmlns:a16="http://schemas.microsoft.com/office/drawing/2014/main" id="{B6A319F8-5D6F-0212-2811-06C0B4A7D888}"/>
+                <a16:creationId xmlns:a16="http://schemas.microsoft.com/office/drawing/2014/main" id="{01BA6E12-75DB-D0B0-7D27-3D5D756027A3}"/>
               </a:ext>
             </a:extLst>
           </p:cNvPr>
@@ -8663,7 +8667,658 @@
           <p:cNvPr id="8" name="TextBox 7">
             <a:extLst>
               <a:ext uri="{FF2B5EF4-FFF2-40B4-BE49-F238E27FC236}">
-                <a16:creationId xmlns:a16="http://schemas.microsoft.com/office/drawing/2014/main" id="{E00170A1-04B1-23F5-357E-672C022B8699}"/>
+                <a16:creationId xmlns:a16="http://schemas.microsoft.com/office/drawing/2014/main" id="{00851E5D-ED97-0999-6093-07F3B4503C15}"/>
+              </a:ext>
+            </a:extLst>
+          </p:cNvPr>
+          <p:cNvSpPr txBox="1"/>
+          <p:nvPr/>
+        </p:nvSpPr>
+        <p:spPr>
+          <a:xfrm>
+            <a:off x="5068060" y="1339483"/>
+            <a:ext cx="3685034" cy="4853923"/>
+          </a:xfrm>
+          <a:prstGeom prst="rect">
+            <a:avLst/>
+          </a:prstGeom>
+        </p:spPr>
+        <p:txBody>
+          <a:bodyPr vert="horz" lIns="91440" tIns="45720" rIns="91440" bIns="45720" rtlCol="0">
+            <a:normAutofit/>
+          </a:bodyPr>
+          <a:lstStyle/>
+          <a:p>
+            <a:pPr latinLnBrk="0">
+              <a:spcAft>
+                <a:spcPts val="600"/>
+              </a:spcAft>
+            </a:pPr>
+            <a:r>
+              <a:rPr lang="ko-KR" altLang="en-US" dirty="0">
+                <a:latin typeface="배달의민족 도현" panose="020B0600000101010101" pitchFamily="50" charset="-127"/>
+                <a:ea typeface="배달의민족 도현" panose="020B0600000101010101" pitchFamily="50" charset="-127"/>
+              </a:rPr>
+              <a:t>◎ </a:t>
+            </a:r>
+            <a:r>
+              <a:rPr lang="ko-KR" altLang="en-US" dirty="0">
+                <a:solidFill>
+                  <a:schemeClr val="accent4">
+                    <a:lumMod val="60000"/>
+                    <a:lumOff val="40000"/>
+                  </a:schemeClr>
+                </a:solidFill>
+                <a:latin typeface="배달의민족 도현" panose="020B0600000101010101" pitchFamily="50" charset="-127"/>
+                <a:ea typeface="배달의민족 도현" panose="020B0600000101010101" pitchFamily="50" charset="-127"/>
+              </a:rPr>
+              <a:t>커뮤니티 게시판</a:t>
+            </a:r>
+            <a:endParaRPr lang="en-US" altLang="ko-KR" dirty="0">
+              <a:solidFill>
+                <a:schemeClr val="accent4">
+                  <a:lumMod val="60000"/>
+                  <a:lumOff val="40000"/>
+                </a:schemeClr>
+              </a:solidFill>
+              <a:latin typeface="배달의민족 도현" panose="020B0600000101010101" pitchFamily="50" charset="-127"/>
+              <a:ea typeface="배달의민족 도현" panose="020B0600000101010101" pitchFamily="50" charset="-127"/>
+            </a:endParaRPr>
+          </a:p>
+          <a:p>
+            <a:pPr latinLnBrk="0">
+              <a:spcAft>
+                <a:spcPts val="600"/>
+              </a:spcAft>
+            </a:pPr>
+            <a:r>
+              <a:rPr lang="ko-KR" altLang="en-US" sz="1400" dirty="0">
+                <a:latin typeface="배달의민족 도현" panose="020B0600000101010101" pitchFamily="50" charset="-127"/>
+                <a:ea typeface="배달의민족 도현" panose="020B0600000101010101" pitchFamily="50" charset="-127"/>
+              </a:rPr>
+              <a:t>사용자가 작성하는 커뮤니티 게시판</a:t>
+            </a:r>
+            <a:endParaRPr lang="en-US" altLang="ko-KR" sz="1400" dirty="0">
+              <a:latin typeface="배달의민족 도현" panose="020B0600000101010101" pitchFamily="50" charset="-127"/>
+              <a:ea typeface="배달의민족 도현" panose="020B0600000101010101" pitchFamily="50" charset="-127"/>
+            </a:endParaRPr>
+          </a:p>
+          <a:p>
+            <a:pPr latinLnBrk="0">
+              <a:spcAft>
+                <a:spcPts val="600"/>
+              </a:spcAft>
+            </a:pPr>
+            <a:endParaRPr lang="en-US" altLang="ko-KR" sz="1400" dirty="0">
+              <a:latin typeface="배달의민족 도현" panose="020B0600000101010101" pitchFamily="50" charset="-127"/>
+              <a:ea typeface="배달의민족 도현" panose="020B0600000101010101" pitchFamily="50" charset="-127"/>
+            </a:endParaRPr>
+          </a:p>
+          <a:p>
+            <a:pPr indent="-228600" latinLnBrk="0">
+              <a:spcAft>
+                <a:spcPts val="600"/>
+              </a:spcAft>
+              <a:buFont typeface="Arial" panose="020B0604020202020204" pitchFamily="34" charset="0"/>
+              <a:buChar char="•"/>
+            </a:pPr>
+            <a:r>
+              <a:rPr lang="ko-KR" altLang="en-US" sz="1400" dirty="0">
+                <a:solidFill>
+                  <a:srgbClr val="888E6A"/>
+                </a:solidFill>
+                <a:latin typeface="배달의민족 도현" panose="020B0600000101010101" pitchFamily="50" charset="-127"/>
+                <a:ea typeface="배달의민족 도현" panose="020B0600000101010101" pitchFamily="50" charset="-127"/>
+              </a:rPr>
+              <a:t>번호</a:t>
+            </a:r>
+            <a:r>
+              <a:rPr lang="ko-KR" altLang="en-US" sz="1400" dirty="0">
+                <a:latin typeface="배달의민족 도현" panose="020B0600000101010101" pitchFamily="50" charset="-127"/>
+                <a:ea typeface="배달의민족 도현" panose="020B0600000101010101" pitchFamily="50" charset="-127"/>
+              </a:rPr>
+              <a:t> </a:t>
+            </a:r>
+            <a:r>
+              <a:rPr lang="en-US" altLang="ko-KR" sz="1400" dirty="0">
+                <a:latin typeface="배달의민족 도현" panose="020B0600000101010101" pitchFamily="50" charset="-127"/>
+                <a:ea typeface="배달의민족 도현" panose="020B0600000101010101" pitchFamily="50" charset="-127"/>
+              </a:rPr>
+              <a:t>: </a:t>
+            </a:r>
+            <a:r>
+              <a:rPr lang="ko-KR" altLang="en-US" sz="1400" dirty="0">
+                <a:latin typeface="배달의민족 도현" panose="020B0600000101010101" pitchFamily="50" charset="-127"/>
+                <a:ea typeface="배달의민족 도현" panose="020B0600000101010101" pitchFamily="50" charset="-127"/>
+              </a:rPr>
+              <a:t>글 번호</a:t>
+            </a:r>
+            <a:endParaRPr lang="en-US" altLang="ko-KR" sz="1400" dirty="0">
+              <a:latin typeface="배달의민족 도현" panose="020B0600000101010101" pitchFamily="50" charset="-127"/>
+              <a:ea typeface="배달의민족 도현" panose="020B0600000101010101" pitchFamily="50" charset="-127"/>
+            </a:endParaRPr>
+          </a:p>
+          <a:p>
+            <a:pPr indent="-228600" latinLnBrk="0">
+              <a:spcAft>
+                <a:spcPts val="600"/>
+              </a:spcAft>
+              <a:buFont typeface="Arial" panose="020B0604020202020204" pitchFamily="34" charset="0"/>
+              <a:buChar char="•"/>
+            </a:pPr>
+            <a:r>
+              <a:rPr lang="ko-KR" altLang="en-US" sz="1400" dirty="0">
+                <a:solidFill>
+                  <a:srgbClr val="888E6A"/>
+                </a:solidFill>
+                <a:latin typeface="배달의민족 도현" panose="020B0600000101010101" pitchFamily="50" charset="-127"/>
+                <a:ea typeface="배달의민족 도현" panose="020B0600000101010101" pitchFamily="50" charset="-127"/>
+              </a:rPr>
+              <a:t>제목</a:t>
+            </a:r>
+            <a:r>
+              <a:rPr lang="ko-KR" altLang="en-US" sz="1400" dirty="0">
+                <a:latin typeface="배달의민족 도현" panose="020B0600000101010101" pitchFamily="50" charset="-127"/>
+                <a:ea typeface="배달의민족 도현" panose="020B0600000101010101" pitchFamily="50" charset="-127"/>
+              </a:rPr>
+              <a:t> </a:t>
+            </a:r>
+            <a:r>
+              <a:rPr lang="en-US" altLang="ko-KR" sz="1400" dirty="0">
+                <a:latin typeface="배달의민족 도현" panose="020B0600000101010101" pitchFamily="50" charset="-127"/>
+                <a:ea typeface="배달의민족 도현" panose="020B0600000101010101" pitchFamily="50" charset="-127"/>
+              </a:rPr>
+              <a:t>: </a:t>
+            </a:r>
+            <a:r>
+              <a:rPr lang="ko-KR" altLang="en-US" sz="1400" dirty="0">
+                <a:latin typeface="배달의민족 도현" panose="020B0600000101010101" pitchFamily="50" charset="-127"/>
+                <a:ea typeface="배달의민족 도현" panose="020B0600000101010101" pitchFamily="50" charset="-127"/>
+              </a:rPr>
+              <a:t>글</a:t>
+            </a:r>
+            <a:r>
+              <a:rPr lang="en-US" altLang="ko-KR" sz="1400" dirty="0">
+                <a:latin typeface="배달의민족 도현" panose="020B0600000101010101" pitchFamily="50" charset="-127"/>
+                <a:ea typeface="배달의민족 도현" panose="020B0600000101010101" pitchFamily="50" charset="-127"/>
+              </a:rPr>
+              <a:t> </a:t>
+            </a:r>
+            <a:r>
+              <a:rPr lang="ko-KR" altLang="en-US" sz="1400" dirty="0">
+                <a:latin typeface="배달의민족 도현" panose="020B0600000101010101" pitchFamily="50" charset="-127"/>
+                <a:ea typeface="배달의민족 도현" panose="020B0600000101010101" pitchFamily="50" charset="-127"/>
+              </a:rPr>
+              <a:t>제목</a:t>
+            </a:r>
+            <a:endParaRPr lang="en-US" altLang="ko-KR" sz="1400" dirty="0">
+              <a:latin typeface="배달의민족 도현" panose="020B0600000101010101" pitchFamily="50" charset="-127"/>
+              <a:ea typeface="배달의민족 도현" panose="020B0600000101010101" pitchFamily="50" charset="-127"/>
+            </a:endParaRPr>
+          </a:p>
+          <a:p>
+            <a:pPr indent="-228600" latinLnBrk="0">
+              <a:spcAft>
+                <a:spcPts val="600"/>
+              </a:spcAft>
+              <a:buFont typeface="Arial" panose="020B0604020202020204" pitchFamily="34" charset="0"/>
+              <a:buChar char="•"/>
+            </a:pPr>
+            <a:r>
+              <a:rPr lang="ko-KR" altLang="en-US" sz="1400" dirty="0">
+                <a:solidFill>
+                  <a:srgbClr val="888E6A"/>
+                </a:solidFill>
+                <a:latin typeface="배달의민족 도현" panose="020B0600000101010101" pitchFamily="50" charset="-127"/>
+                <a:ea typeface="배달의민족 도현" panose="020B0600000101010101" pitchFamily="50" charset="-127"/>
+              </a:rPr>
+              <a:t>작성자</a:t>
+            </a:r>
+            <a:r>
+              <a:rPr lang="ko-KR" altLang="en-US" sz="1400" dirty="0">
+                <a:latin typeface="배달의민족 도현" panose="020B0600000101010101" pitchFamily="50" charset="-127"/>
+                <a:ea typeface="배달의민족 도현" panose="020B0600000101010101" pitchFamily="50" charset="-127"/>
+              </a:rPr>
+              <a:t> </a:t>
+            </a:r>
+            <a:r>
+              <a:rPr lang="en-US" altLang="ko-KR" sz="1400" dirty="0">
+                <a:latin typeface="배달의민족 도현" panose="020B0600000101010101" pitchFamily="50" charset="-127"/>
+                <a:ea typeface="배달의민족 도현" panose="020B0600000101010101" pitchFamily="50" charset="-127"/>
+              </a:rPr>
+              <a:t>: </a:t>
+            </a:r>
+            <a:r>
+              <a:rPr lang="ko-KR" altLang="en-US" sz="1400" dirty="0">
+                <a:latin typeface="배달의민족 도현" panose="020B0600000101010101" pitchFamily="50" charset="-127"/>
+                <a:ea typeface="배달의민족 도현" panose="020B0600000101010101" pitchFamily="50" charset="-127"/>
+              </a:rPr>
+              <a:t>글쓴이</a:t>
+            </a:r>
+            <a:endParaRPr lang="en-US" altLang="ko-KR" sz="1400" dirty="0">
+              <a:latin typeface="배달의민족 도현" panose="020B0600000101010101" pitchFamily="50" charset="-127"/>
+              <a:ea typeface="배달의민족 도현" panose="020B0600000101010101" pitchFamily="50" charset="-127"/>
+            </a:endParaRPr>
+          </a:p>
+          <a:p>
+            <a:pPr indent="-228600" latinLnBrk="0">
+              <a:spcAft>
+                <a:spcPts val="600"/>
+              </a:spcAft>
+              <a:buFont typeface="Arial" panose="020B0604020202020204" pitchFamily="34" charset="0"/>
+              <a:buChar char="•"/>
+            </a:pPr>
+            <a:r>
+              <a:rPr lang="ko-KR" altLang="en-US" sz="1400" dirty="0">
+                <a:solidFill>
+                  <a:srgbClr val="888E6A"/>
+                </a:solidFill>
+                <a:latin typeface="배달의민족 도현" panose="020B0600000101010101" pitchFamily="50" charset="-127"/>
+                <a:ea typeface="배달의민족 도현" panose="020B0600000101010101" pitchFamily="50" charset="-127"/>
+              </a:rPr>
+              <a:t>작성일</a:t>
+            </a:r>
+            <a:r>
+              <a:rPr lang="ko-KR" altLang="en-US" sz="1400" dirty="0">
+                <a:latin typeface="배달의민족 도현" panose="020B0600000101010101" pitchFamily="50" charset="-127"/>
+                <a:ea typeface="배달의민족 도현" panose="020B0600000101010101" pitchFamily="50" charset="-127"/>
+              </a:rPr>
+              <a:t> </a:t>
+            </a:r>
+            <a:r>
+              <a:rPr lang="en-US" altLang="ko-KR" sz="1400" dirty="0">
+                <a:latin typeface="배달의민족 도현" panose="020B0600000101010101" pitchFamily="50" charset="-127"/>
+                <a:ea typeface="배달의민족 도현" panose="020B0600000101010101" pitchFamily="50" charset="-127"/>
+              </a:rPr>
+              <a:t>: </a:t>
+            </a:r>
+            <a:r>
+              <a:rPr lang="ko-KR" altLang="en-US" sz="1400" dirty="0">
+                <a:latin typeface="배달의민족 도현" panose="020B0600000101010101" pitchFamily="50" charset="-127"/>
+                <a:ea typeface="배달의민족 도현" panose="020B0600000101010101" pitchFamily="50" charset="-127"/>
+              </a:rPr>
+              <a:t>작성일</a:t>
+            </a:r>
+            <a:endParaRPr lang="en-US" altLang="ko-KR" sz="1400" dirty="0">
+              <a:latin typeface="배달의민족 도현" panose="020B0600000101010101" pitchFamily="50" charset="-127"/>
+              <a:ea typeface="배달의민족 도현" panose="020B0600000101010101" pitchFamily="50" charset="-127"/>
+            </a:endParaRPr>
+          </a:p>
+          <a:p>
+            <a:pPr indent="-228600" latinLnBrk="0">
+              <a:spcAft>
+                <a:spcPts val="600"/>
+              </a:spcAft>
+              <a:buFont typeface="Arial" panose="020B0604020202020204" pitchFamily="34" charset="0"/>
+              <a:buChar char="•"/>
+            </a:pPr>
+            <a:r>
+              <a:rPr lang="ko-KR" altLang="en-US" sz="1400" dirty="0">
+                <a:solidFill>
+                  <a:srgbClr val="888E6A"/>
+                </a:solidFill>
+                <a:latin typeface="배달의민족 도현" panose="020B0600000101010101" pitchFamily="50" charset="-127"/>
+                <a:ea typeface="배달의민족 도현" panose="020B0600000101010101" pitchFamily="50" charset="-127"/>
+              </a:rPr>
+              <a:t>조회수</a:t>
+            </a:r>
+            <a:r>
+              <a:rPr lang="ko-KR" altLang="en-US" sz="1400" dirty="0">
+                <a:latin typeface="배달의민족 도현" panose="020B0600000101010101" pitchFamily="50" charset="-127"/>
+                <a:ea typeface="배달의민족 도현" panose="020B0600000101010101" pitchFamily="50" charset="-127"/>
+              </a:rPr>
+              <a:t> </a:t>
+            </a:r>
+            <a:r>
+              <a:rPr lang="en-US" altLang="ko-KR" sz="1400" dirty="0">
+                <a:latin typeface="배달의민족 도현" panose="020B0600000101010101" pitchFamily="50" charset="-127"/>
+                <a:ea typeface="배달의민족 도현" panose="020B0600000101010101" pitchFamily="50" charset="-127"/>
+              </a:rPr>
+              <a:t>: </a:t>
+            </a:r>
+            <a:r>
+              <a:rPr lang="ko-KR" altLang="en-US" sz="1400" dirty="0">
+                <a:latin typeface="배달의민족 도현" panose="020B0600000101010101" pitchFamily="50" charset="-127"/>
+                <a:ea typeface="배달의민족 도현" panose="020B0600000101010101" pitchFamily="50" charset="-127"/>
+              </a:rPr>
+              <a:t>조회수</a:t>
+            </a:r>
+            <a:endParaRPr lang="en-US" altLang="ko-KR" sz="1400" dirty="0">
+              <a:latin typeface="배달의민족 도현" panose="020B0600000101010101" pitchFamily="50" charset="-127"/>
+              <a:ea typeface="배달의민족 도현" panose="020B0600000101010101" pitchFamily="50" charset="-127"/>
+            </a:endParaRPr>
+          </a:p>
+          <a:p>
+            <a:pPr indent="-228600" latinLnBrk="0">
+              <a:spcAft>
+                <a:spcPts val="600"/>
+              </a:spcAft>
+              <a:buFont typeface="Arial" panose="020B0604020202020204" pitchFamily="34" charset="0"/>
+              <a:buChar char="•"/>
+            </a:pPr>
+            <a:r>
+              <a:rPr lang="ko-KR" altLang="en-US" sz="1400" dirty="0">
+                <a:latin typeface="배달의민족 도현" panose="020B0600000101010101" pitchFamily="50" charset="-127"/>
+                <a:ea typeface="배달의민족 도현" panose="020B0600000101010101" pitchFamily="50" charset="-127"/>
+              </a:rPr>
+              <a:t>댓글 </a:t>
+            </a:r>
+            <a:r>
+              <a:rPr lang="en-US" altLang="ko-KR" sz="1400" dirty="0">
+                <a:latin typeface="배달의민족 도현" panose="020B0600000101010101" pitchFamily="50" charset="-127"/>
+                <a:ea typeface="배달의민족 도현" panose="020B0600000101010101" pitchFamily="50" charset="-127"/>
+              </a:rPr>
+              <a:t>: </a:t>
+            </a:r>
+            <a:r>
+              <a:rPr lang="ko-KR" altLang="en-US" sz="1400" dirty="0">
+                <a:latin typeface="배달의민족 도현" panose="020B0600000101010101" pitchFamily="50" charset="-127"/>
+                <a:ea typeface="배달의민족 도현" panose="020B0600000101010101" pitchFamily="50" charset="-127"/>
+              </a:rPr>
+              <a:t>댓글 수</a:t>
+            </a:r>
+            <a:endParaRPr lang="en-US" altLang="ko-KR" sz="1400" dirty="0">
+              <a:latin typeface="배달의민족 도현" panose="020B0600000101010101" pitchFamily="50" charset="-127"/>
+              <a:ea typeface="배달의민족 도현" panose="020B0600000101010101" pitchFamily="50" charset="-127"/>
+            </a:endParaRPr>
+          </a:p>
+          <a:p>
+            <a:pPr indent="-228600" latinLnBrk="0">
+              <a:spcAft>
+                <a:spcPts val="600"/>
+              </a:spcAft>
+              <a:buFont typeface="Arial" panose="020B0604020202020204" pitchFamily="34" charset="0"/>
+              <a:buChar char="•"/>
+            </a:pPr>
+            <a:r>
+              <a:rPr lang="ko-KR" altLang="en-US" sz="1400" dirty="0">
+                <a:latin typeface="배달의민족 도현" panose="020B0600000101010101" pitchFamily="50" charset="-127"/>
+                <a:ea typeface="배달의민족 도현" panose="020B0600000101010101" pitchFamily="50" charset="-127"/>
+              </a:rPr>
+              <a:t>좋아요 </a:t>
+            </a:r>
+            <a:r>
+              <a:rPr lang="en-US" altLang="ko-KR" sz="1400" dirty="0">
+                <a:latin typeface="배달의민족 도현" panose="020B0600000101010101" pitchFamily="50" charset="-127"/>
+                <a:ea typeface="배달의민족 도현" panose="020B0600000101010101" pitchFamily="50" charset="-127"/>
+              </a:rPr>
+              <a:t>: </a:t>
+            </a:r>
+            <a:r>
+              <a:rPr lang="ko-KR" altLang="en-US" sz="1400" dirty="0">
+                <a:latin typeface="배달의민족 도현" panose="020B0600000101010101" pitchFamily="50" charset="-127"/>
+                <a:ea typeface="배달의민족 도현" panose="020B0600000101010101" pitchFamily="50" charset="-127"/>
+              </a:rPr>
+              <a:t>좋아요 수</a:t>
+            </a:r>
+            <a:endParaRPr lang="en-US" altLang="ko-KR" sz="1400" dirty="0">
+              <a:latin typeface="배달의민족 도현" panose="020B0600000101010101" pitchFamily="50" charset="-127"/>
+              <a:ea typeface="배달의민족 도현" panose="020B0600000101010101" pitchFamily="50" charset="-127"/>
+            </a:endParaRPr>
+          </a:p>
+          <a:p>
+            <a:pPr indent="-228600" latinLnBrk="0">
+              <a:spcAft>
+                <a:spcPts val="600"/>
+              </a:spcAft>
+              <a:buFont typeface="Arial" panose="020B0604020202020204" pitchFamily="34" charset="0"/>
+              <a:buChar char="•"/>
+            </a:pPr>
+            <a:endParaRPr lang="en-US" altLang="ko-KR" sz="1400" dirty="0">
+              <a:latin typeface="배달의민족 도현" panose="020B0600000101010101" pitchFamily="50" charset="-127"/>
+              <a:ea typeface="배달의민족 도현" panose="020B0600000101010101" pitchFamily="50" charset="-127"/>
+            </a:endParaRPr>
+          </a:p>
+          <a:p>
+            <a:pPr latinLnBrk="0">
+              <a:spcAft>
+                <a:spcPts val="600"/>
+              </a:spcAft>
+            </a:pPr>
+            <a:r>
+              <a:rPr lang="ko-KR" altLang="en-US" sz="1400" dirty="0">
+                <a:latin typeface="배달의민족 도현" panose="020B0600000101010101" pitchFamily="50" charset="-127"/>
+                <a:ea typeface="배달의민족 도현" panose="020B0600000101010101" pitchFamily="50" charset="-127"/>
+              </a:rPr>
+              <a:t>글쓰기 </a:t>
+            </a:r>
+            <a:r>
+              <a:rPr lang="en-US" altLang="ko-KR" sz="1400" dirty="0">
+                <a:latin typeface="배달의민족 도현" panose="020B0600000101010101" pitchFamily="50" charset="-127"/>
+                <a:ea typeface="배달의민족 도현" panose="020B0600000101010101" pitchFamily="50" charset="-127"/>
+              </a:rPr>
+              <a:t>: </a:t>
+            </a:r>
+            <a:r>
+              <a:rPr lang="ko-KR" altLang="en-US" sz="1400" dirty="0">
+                <a:latin typeface="배달의민족 도현" panose="020B0600000101010101" pitchFamily="50" charset="-127"/>
+                <a:ea typeface="배달의민족 도현" panose="020B0600000101010101" pitchFamily="50" charset="-127"/>
+              </a:rPr>
+              <a:t>버튼 클릭 시 글쓰기 화면으로</a:t>
+            </a:r>
+            <a:endParaRPr lang="en-US" altLang="ko-KR" sz="1400" dirty="0">
+              <a:latin typeface="배달의민족 도현" panose="020B0600000101010101" pitchFamily="50" charset="-127"/>
+              <a:ea typeface="배달의민족 도현" panose="020B0600000101010101" pitchFamily="50" charset="-127"/>
+            </a:endParaRPr>
+          </a:p>
+          <a:p>
+            <a:pPr indent="-228600" latinLnBrk="0">
+              <a:spcAft>
+                <a:spcPts val="600"/>
+              </a:spcAft>
+              <a:buFont typeface="Arial" panose="020B0604020202020204" pitchFamily="34" charset="0"/>
+              <a:buChar char="•"/>
+            </a:pPr>
+            <a:endParaRPr lang="en-US" altLang="ko-KR" sz="1400" dirty="0">
+              <a:latin typeface="배달의민족 도현" panose="020B0600000101010101" pitchFamily="50" charset="-127"/>
+              <a:ea typeface="배달의민족 도현" panose="020B0600000101010101" pitchFamily="50" charset="-127"/>
+            </a:endParaRPr>
+          </a:p>
+          <a:p>
+            <a:pPr latinLnBrk="0">
+              <a:spcAft>
+                <a:spcPts val="600"/>
+              </a:spcAft>
+            </a:pPr>
+            <a:r>
+              <a:rPr lang="ko-KR" altLang="en-US" sz="1400" dirty="0">
+                <a:latin typeface="배달의민족 도현" panose="020B0600000101010101" pitchFamily="50" charset="-127"/>
+                <a:ea typeface="배달의민족 도현" panose="020B0600000101010101" pitchFamily="50" charset="-127"/>
+              </a:rPr>
+              <a:t>좋아요 클릭으로 좋아요 수 증가</a:t>
+            </a:r>
+            <a:r>
+              <a:rPr lang="en-US" altLang="ko-KR" sz="1400" dirty="0">
+                <a:latin typeface="배달의민족 도현" panose="020B0600000101010101" pitchFamily="50" charset="-127"/>
+                <a:ea typeface="배달의민족 도현" panose="020B0600000101010101" pitchFamily="50" charset="-127"/>
+              </a:rPr>
+              <a:t>,</a:t>
+            </a:r>
+          </a:p>
+          <a:p>
+            <a:pPr latinLnBrk="0">
+              <a:spcAft>
+                <a:spcPts val="600"/>
+              </a:spcAft>
+            </a:pPr>
+            <a:r>
+              <a:rPr lang="ko-KR" altLang="en-US" sz="1400" dirty="0">
+                <a:latin typeface="배달의민족 도현" panose="020B0600000101010101" pitchFamily="50" charset="-127"/>
+                <a:ea typeface="배달의민족 도현" panose="020B0600000101010101" pitchFamily="50" charset="-127"/>
+              </a:rPr>
+              <a:t>댓글 작성 후 등록 시 댓글 추가</a:t>
+            </a:r>
+            <a:r>
+              <a:rPr lang="en-US" altLang="ko-KR" sz="1400" dirty="0">
+                <a:latin typeface="배달의민족 도현" panose="020B0600000101010101" pitchFamily="50" charset="-127"/>
+                <a:ea typeface="배달의민족 도현" panose="020B0600000101010101" pitchFamily="50" charset="-127"/>
+              </a:rPr>
+              <a:t>.</a:t>
+            </a:r>
+          </a:p>
+        </p:txBody>
+      </p:sp>
+      <p:pic>
+        <p:nvPicPr>
+          <p:cNvPr id="4" name="그림 3">
+            <a:extLst>
+              <a:ext uri="{FF2B5EF4-FFF2-40B4-BE49-F238E27FC236}">
+                <a16:creationId xmlns:a16="http://schemas.microsoft.com/office/drawing/2014/main" id="{20C016DD-2C93-F361-ADCB-B450AB376001}"/>
+              </a:ext>
+            </a:extLst>
+          </p:cNvPr>
+          <p:cNvPicPr>
+            <a:picLocks noChangeAspect="1"/>
+          </p:cNvPicPr>
+          <p:nvPr/>
+        </p:nvPicPr>
+        <p:blipFill>
+          <a:blip r:embed="rId2">
+            <a:extLst>
+              <a:ext uri="{28A0092B-C50C-407E-A947-70E740481C1C}">
+                <a14:useLocalDpi xmlns:a14="http://schemas.microsoft.com/office/drawing/2010/main" val="0"/>
+              </a:ext>
+            </a:extLst>
+          </a:blip>
+          <a:srcRect/>
+          <a:stretch/>
+        </p:blipFill>
+        <p:spPr>
+          <a:xfrm>
+            <a:off x="894395" y="1485139"/>
+            <a:ext cx="3389469" cy="2186107"/>
+          </a:xfrm>
+          <a:prstGeom prst="rect">
+            <a:avLst/>
+          </a:prstGeom>
+        </p:spPr>
+      </p:pic>
+      <p:pic>
+        <p:nvPicPr>
+          <p:cNvPr id="3" name="그림 2">
+            <a:extLst>
+              <a:ext uri="{FF2B5EF4-FFF2-40B4-BE49-F238E27FC236}">
+                <a16:creationId xmlns:a16="http://schemas.microsoft.com/office/drawing/2014/main" id="{5714D185-13B8-ECB1-163D-1ED86A0F0D33}"/>
+              </a:ext>
+            </a:extLst>
+          </p:cNvPr>
+          <p:cNvPicPr>
+            <a:picLocks noChangeAspect="1"/>
+          </p:cNvPicPr>
+          <p:nvPr/>
+        </p:nvPicPr>
+        <p:blipFill>
+          <a:blip r:embed="rId3">
+            <a:extLst>
+              <a:ext uri="{28A0092B-C50C-407E-A947-70E740481C1C}">
+                <a14:useLocalDpi xmlns:a14="http://schemas.microsoft.com/office/drawing/2010/main" val="0"/>
+              </a:ext>
+            </a:extLst>
+          </a:blip>
+          <a:srcRect/>
+          <a:stretch/>
+        </p:blipFill>
+        <p:spPr>
+          <a:xfrm>
+            <a:off x="904335" y="3747052"/>
+            <a:ext cx="3389468" cy="2834330"/>
+          </a:xfrm>
+          <a:prstGeom prst="rect">
+            <a:avLst/>
+          </a:prstGeom>
+        </p:spPr>
+      </p:pic>
+    </p:spTree>
+    <p:extLst>
+      <p:ext uri="{BB962C8B-B14F-4D97-AF65-F5344CB8AC3E}">
+        <p14:creationId xmlns:p14="http://schemas.microsoft.com/office/powerpoint/2010/main" val="3230928046"/>
+      </p:ext>
+    </p:extLst>
+  </p:cSld>
+  <p:clrMapOvr>
+    <a:masterClrMapping/>
+  </p:clrMapOvr>
+</p:sld>
+</file>
+
+<file path=ppt/slides/slide19.xml><?xml version="1.0" encoding="utf-8"?>
+<p:sld xmlns:a="http://schemas.openxmlformats.org/drawingml/2006/main" xmlns:r="http://schemas.openxmlformats.org/officeDocument/2006/relationships" xmlns:p="http://schemas.openxmlformats.org/presentationml/2006/main">
+  <p:cSld>
+    <p:spTree>
+      <p:nvGrpSpPr>
+        <p:cNvPr id="1" name="">
+          <a:extLst>
+            <a:ext uri="{FF2B5EF4-FFF2-40B4-BE49-F238E27FC236}">
+              <a16:creationId xmlns:a16="http://schemas.microsoft.com/office/drawing/2014/main" id="{DC3781D3-4845-CB16-3B40-BD1EC1E17185}"/>
+            </a:ext>
+          </a:extLst>
+        </p:cNvPr>
+        <p:cNvGrpSpPr/>
+        <p:nvPr/>
+      </p:nvGrpSpPr>
+      <p:grpSpPr>
+        <a:xfrm>
+          <a:off x="0" y="0"/>
+          <a:ext cx="0" cy="0"/>
+          <a:chOff x="0" y="0"/>
+          <a:chExt cx="0" cy="0"/>
+        </a:xfrm>
+      </p:grpSpPr>
+      <p:sp>
+        <p:nvSpPr>
+          <p:cNvPr id="2" name="TextBox 1">
+            <a:extLst>
+              <a:ext uri="{FF2B5EF4-FFF2-40B4-BE49-F238E27FC236}">
+                <a16:creationId xmlns:a16="http://schemas.microsoft.com/office/drawing/2014/main" id="{BE74A462-CFEE-55B8-949C-BD5617E92C89}"/>
+              </a:ext>
+            </a:extLst>
+          </p:cNvPr>
+          <p:cNvSpPr txBox="1"/>
+          <p:nvPr/>
+        </p:nvSpPr>
+        <p:spPr>
+          <a:xfrm>
+            <a:off x="390906" y="685309"/>
+            <a:ext cx="8366760" cy="1115568"/>
+          </a:xfrm>
+          <a:prstGeom prst="rect">
+            <a:avLst/>
+          </a:prstGeom>
+        </p:spPr>
+        <p:txBody>
+          <a:bodyPr vert="horz" lIns="91440" tIns="45720" rIns="91440" bIns="45720" rtlCol="0" anchor="t">
+            <a:normAutofit/>
+          </a:bodyPr>
+          <a:lstStyle/>
+          <a:p>
+            <a:pPr latinLnBrk="0">
+              <a:spcBef>
+                <a:spcPct val="0"/>
+              </a:spcBef>
+              <a:spcAft>
+                <a:spcPts val="600"/>
+              </a:spcAft>
+            </a:pPr>
+            <a:r>
+              <a:rPr lang="en-US" altLang="ko-KR" sz="4400" b="1" kern="1200" dirty="0">
+                <a:solidFill>
+                  <a:schemeClr val="tx1"/>
+                </a:solidFill>
+                <a:latin typeface="+mj-lt"/>
+                <a:ea typeface="+mj-ea"/>
+                <a:cs typeface="+mj-cs"/>
+              </a:rPr>
+              <a:t>Web</a:t>
+            </a:r>
+          </a:p>
+        </p:txBody>
+      </p:sp>
+      <p:sp>
+        <p:nvSpPr>
+          <p:cNvPr id="8" name="TextBox 7">
+            <a:extLst>
+              <a:ext uri="{FF2B5EF4-FFF2-40B4-BE49-F238E27FC236}">
+                <a16:creationId xmlns:a16="http://schemas.microsoft.com/office/drawing/2014/main" id="{9D8B9A31-9682-89AA-783E-AB3E73CF870C}"/>
               </a:ext>
             </a:extLst>
           </p:cNvPr>
@@ -8698,138 +9353,9 @@
               <a:t>◎ </a:t>
             </a:r>
             <a:r>
-              <a:rPr lang="en-US" altLang="ko-KR" dirty="0">
-                <a:latin typeface="배달의민족 도현" panose="020B0600000101010101" pitchFamily="50" charset="-127"/>
-                <a:ea typeface="배달의민족 도현" panose="020B0600000101010101" pitchFamily="50" charset="-127"/>
-              </a:rPr>
-              <a:t>Web</a:t>
-            </a:r>
-            <a:r>
-              <a:rPr lang="ko-KR" altLang="en-US" dirty="0">
-                <a:latin typeface="배달의민족 도현" panose="020B0600000101010101" pitchFamily="50" charset="-127"/>
-                <a:ea typeface="배달의민족 도현" panose="020B0600000101010101" pitchFamily="50" charset="-127"/>
-              </a:rPr>
-              <a:t> </a:t>
-            </a:r>
-            <a:r>
               <a:rPr lang="ko-KR" altLang="en-US" dirty="0">
                 <a:solidFill>
-                  <a:srgbClr val="957777"/>
-                </a:solidFill>
-                <a:latin typeface="배달의민족 도현" panose="020B0600000101010101" pitchFamily="50" charset="-127"/>
-                <a:ea typeface="배달의민족 도현" panose="020B0600000101010101" pitchFamily="50" charset="-127"/>
-              </a:rPr>
-              <a:t>상점</a:t>
-            </a:r>
-            <a:endParaRPr lang="en-US" altLang="ko-KR" sz="1400" dirty="0">
-              <a:latin typeface="배달의민족 도현" panose="020B0600000101010101" pitchFamily="50" charset="-127"/>
-              <a:ea typeface="배달의민족 도현" panose="020B0600000101010101" pitchFamily="50" charset="-127"/>
-            </a:endParaRPr>
-          </a:p>
-          <a:p>
-            <a:pPr latinLnBrk="0">
-              <a:spcAft>
-                <a:spcPts val="600"/>
-              </a:spcAft>
-            </a:pPr>
-            <a:r>
-              <a:rPr lang="ko-KR" altLang="en-US" sz="1400" dirty="0">
-                <a:latin typeface="배달의민족 도현" panose="020B0600000101010101" pitchFamily="50" charset="-127"/>
-                <a:ea typeface="배달의민족 도현" panose="020B0600000101010101" pitchFamily="50" charset="-127"/>
-              </a:rPr>
-              <a:t>게임 내 얻은 </a:t>
-            </a:r>
-            <a:r>
-              <a:rPr lang="ko-KR" altLang="en-US" sz="1400" dirty="0">
-                <a:solidFill>
-                  <a:srgbClr val="FEAF00"/>
-                </a:solidFill>
-                <a:latin typeface="배달의민족 도현" panose="020B0600000101010101" pitchFamily="50" charset="-127"/>
-                <a:ea typeface="배달의민족 도현" panose="020B0600000101010101" pitchFamily="50" charset="-127"/>
-              </a:rPr>
-              <a:t>코인</a:t>
-            </a:r>
-            <a:r>
-              <a:rPr lang="ko-KR" altLang="en-US" sz="1400" dirty="0">
-                <a:latin typeface="배달의민족 도현" panose="020B0600000101010101" pitchFamily="50" charset="-127"/>
-                <a:ea typeface="배달의민족 도현" panose="020B0600000101010101" pitchFamily="50" charset="-127"/>
-              </a:rPr>
-              <a:t>으로 아이템 구매</a:t>
-            </a:r>
-            <a:endParaRPr lang="en-US" altLang="ko-KR" sz="1400" dirty="0">
-              <a:latin typeface="배달의민족 도현" panose="020B0600000101010101" pitchFamily="50" charset="-127"/>
-              <a:ea typeface="배달의민족 도현" panose="020B0600000101010101" pitchFamily="50" charset="-127"/>
-            </a:endParaRPr>
-          </a:p>
-          <a:p>
-            <a:pPr latinLnBrk="0">
-              <a:spcAft>
-                <a:spcPts val="600"/>
-              </a:spcAft>
-            </a:pPr>
-            <a:endParaRPr lang="en-US" altLang="ko-KR" sz="1400" dirty="0">
-              <a:latin typeface="배달의민족 도현" panose="020B0600000101010101" pitchFamily="50" charset="-127"/>
-              <a:ea typeface="배달의민족 도현" panose="020B0600000101010101" pitchFamily="50" charset="-127"/>
-            </a:endParaRPr>
-          </a:p>
-          <a:p>
-            <a:pPr indent="-228600" latinLnBrk="0">
-              <a:spcAft>
-                <a:spcPts val="600"/>
-              </a:spcAft>
-              <a:buFont typeface="Arial" panose="020B0604020202020204" pitchFamily="34" charset="0"/>
-              <a:buChar char="•"/>
-            </a:pPr>
-            <a:r>
-              <a:rPr lang="ko-KR" altLang="en-US" sz="1400" dirty="0">
-                <a:latin typeface="배달의민족 도현" panose="020B0600000101010101" pitchFamily="50" charset="-127"/>
-                <a:ea typeface="배달의민족 도현" panose="020B0600000101010101" pitchFamily="50" charset="-127"/>
-              </a:rPr>
-              <a:t>좌측 버튼 </a:t>
-            </a:r>
-            <a:r>
-              <a:rPr lang="en-US" altLang="ko-KR" sz="1400" dirty="0">
-                <a:latin typeface="배달의민족 도현" panose="020B0600000101010101" pitchFamily="50" charset="-127"/>
-                <a:ea typeface="배달의민족 도현" panose="020B0600000101010101" pitchFamily="50" charset="-127"/>
-              </a:rPr>
-              <a:t>: </a:t>
-            </a:r>
-            <a:r>
-              <a:rPr lang="ko-KR" altLang="en-US" sz="1400" dirty="0">
-                <a:latin typeface="배달의민족 도현" panose="020B0600000101010101" pitchFamily="50" charset="-127"/>
-                <a:ea typeface="배달의민족 도현" panose="020B0600000101010101" pitchFamily="50" charset="-127"/>
-              </a:rPr>
-              <a:t>태그</a:t>
-            </a:r>
-            <a:r>
-              <a:rPr lang="en-US" altLang="ko-KR" sz="1400" dirty="0">
-                <a:latin typeface="배달의민족 도현" panose="020B0600000101010101" pitchFamily="50" charset="-127"/>
-                <a:ea typeface="배달의민족 도현" panose="020B0600000101010101" pitchFamily="50" charset="-127"/>
-              </a:rPr>
-              <a:t> </a:t>
-            </a:r>
-            <a:r>
-              <a:rPr lang="ko-KR" altLang="en-US" sz="1400" dirty="0">
-                <a:latin typeface="배달의민족 도현" panose="020B0600000101010101" pitchFamily="50" charset="-127"/>
-                <a:ea typeface="배달의민족 도현" panose="020B0600000101010101" pitchFamily="50" charset="-127"/>
-              </a:rPr>
-              <a:t>클릭 시 해당 게임의</a:t>
-            </a:r>
-            <a:endParaRPr lang="en-US" altLang="ko-KR" sz="1400" dirty="0">
-              <a:latin typeface="배달의민족 도현" panose="020B0600000101010101" pitchFamily="50" charset="-127"/>
-              <a:ea typeface="배달의민족 도현" panose="020B0600000101010101" pitchFamily="50" charset="-127"/>
-            </a:endParaRPr>
-          </a:p>
-          <a:p>
-            <a:pPr latinLnBrk="0">
-              <a:spcAft>
-                <a:spcPts val="600"/>
-              </a:spcAft>
-            </a:pPr>
-            <a:r>
-              <a:rPr lang="en-US" altLang="ko-KR" sz="1400" dirty="0">
-                <a:solidFill>
-                  <a:schemeClr val="accent3">
+                  <a:schemeClr val="accent4">
                     <a:lumMod val="60000"/>
                     <a:lumOff val="40000"/>
                   </a:schemeClr>
@@ -8837,12 +9363,19 @@
                 <a:latin typeface="배달의민족 도현" panose="020B0600000101010101" pitchFamily="50" charset="-127"/>
                 <a:ea typeface="배달의민족 도현" panose="020B0600000101010101" pitchFamily="50" charset="-127"/>
               </a:rPr>
-              <a:t>    </a:t>
-            </a:r>
-            <a:r>
-              <a:rPr lang="ko-KR" altLang="en-US" sz="1400" dirty="0">
+              <a:t>커뮤니티</a:t>
+            </a:r>
+            <a:r>
+              <a:rPr lang="ko-KR" altLang="en-US" dirty="0">
+                <a:latin typeface="배달의민족 도현" panose="020B0600000101010101" pitchFamily="50" charset="-127"/>
+                <a:ea typeface="배달의민족 도현" panose="020B0600000101010101" pitchFamily="50" charset="-127"/>
+              </a:rPr>
+              <a:t> </a:t>
+            </a:r>
+            <a:r>
+              <a:rPr lang="ko-KR" altLang="en-US" dirty="0">
                 <a:solidFill>
-                  <a:schemeClr val="accent3">
+                  <a:schemeClr val="accent4">
                     <a:lumMod val="60000"/>
                     <a:lumOff val="40000"/>
                   </a:schemeClr>
@@ -8850,22 +9383,44 @@
                 <a:latin typeface="배달의민족 도현" panose="020B0600000101010101" pitchFamily="50" charset="-127"/>
                 <a:ea typeface="배달의민족 도현" panose="020B0600000101010101" pitchFamily="50" charset="-127"/>
               </a:rPr>
-              <a:t>아이템</a:t>
-            </a:r>
-            <a:r>
-              <a:rPr lang="en-US" altLang="ko-KR" sz="1400" dirty="0">
-                <a:latin typeface="배달의민족 도현" panose="020B0600000101010101" pitchFamily="50" charset="-127"/>
-                <a:ea typeface="배달의민족 도현" panose="020B0600000101010101" pitchFamily="50" charset="-127"/>
-              </a:rPr>
-              <a:t> </a:t>
-            </a:r>
-            <a:r>
-              <a:rPr lang="ko-KR" altLang="en-US" sz="1400" dirty="0">
-                <a:latin typeface="배달의민족 도현" panose="020B0600000101010101" pitchFamily="50" charset="-127"/>
-                <a:ea typeface="배달의민족 도현" panose="020B0600000101010101" pitchFamily="50" charset="-127"/>
-              </a:rPr>
-              <a:t>목록 화면 표시</a:t>
-            </a:r>
+              <a:t>게시판</a:t>
+            </a:r>
+            <a:r>
+              <a:rPr lang="ko-KR" altLang="en-US" dirty="0">
+                <a:latin typeface="배달의민족 도현" panose="020B0600000101010101" pitchFamily="50" charset="-127"/>
+                <a:ea typeface="배달의민족 도현" panose="020B0600000101010101" pitchFamily="50" charset="-127"/>
+              </a:rPr>
+              <a:t> 글쓰기</a:t>
+            </a:r>
+            <a:endParaRPr lang="en-US" altLang="ko-KR" sz="1400" dirty="0">
+              <a:latin typeface="배달의민족 도현" panose="020B0600000101010101" pitchFamily="50" charset="-127"/>
+              <a:ea typeface="배달의민족 도현" panose="020B0600000101010101" pitchFamily="50" charset="-127"/>
+            </a:endParaRPr>
+          </a:p>
+          <a:p>
+            <a:pPr latinLnBrk="0">
+              <a:spcAft>
+                <a:spcPts val="600"/>
+              </a:spcAft>
+            </a:pPr>
+            <a:r>
+              <a:rPr lang="ko-KR" altLang="en-US" sz="1400" dirty="0">
+                <a:latin typeface="배달의민족 도현" panose="020B0600000101010101" pitchFamily="50" charset="-127"/>
+                <a:ea typeface="배달의민족 도현" panose="020B0600000101010101" pitchFamily="50" charset="-127"/>
+              </a:rPr>
+              <a:t>관리자 글쓰기 화면</a:t>
+            </a:r>
+            <a:endParaRPr lang="en-US" altLang="ko-KR" sz="1400" dirty="0">
+              <a:latin typeface="배달의민족 도현" panose="020B0600000101010101" pitchFamily="50" charset="-127"/>
+              <a:ea typeface="배달의민족 도현" panose="020B0600000101010101" pitchFamily="50" charset="-127"/>
+            </a:endParaRPr>
+          </a:p>
+          <a:p>
+            <a:pPr latinLnBrk="0">
+              <a:spcAft>
+                <a:spcPts val="600"/>
+              </a:spcAft>
+            </a:pPr>
             <a:endParaRPr lang="en-US" altLang="ko-KR" sz="1400" dirty="0">
               <a:latin typeface="배달의민족 도현" panose="020B0600000101010101" pitchFamily="50" charset="-127"/>
               <a:ea typeface="배달의민족 도현" panose="020B0600000101010101" pitchFamily="50" charset="-127"/>
@@ -8879,6 +9434,27 @@
               <a:buFont typeface="Arial" panose="020B0604020202020204" pitchFamily="34" charset="0"/>
               <a:buChar char="•"/>
             </a:pPr>
+            <a:r>
+              <a:rPr lang="ko-KR" altLang="en-US" sz="1400" dirty="0">
+                <a:latin typeface="배달의민족 도현" panose="020B0600000101010101" pitchFamily="50" charset="-127"/>
+                <a:ea typeface="배달의민족 도현" panose="020B0600000101010101" pitchFamily="50" charset="-127"/>
+              </a:rPr>
+              <a:t>제목 </a:t>
+            </a:r>
+            <a:r>
+              <a:rPr lang="en-US" altLang="ko-KR" sz="1400" dirty="0">
+                <a:latin typeface="배달의민족 도현" panose="020B0600000101010101" pitchFamily="50" charset="-127"/>
+                <a:ea typeface="배달의민족 도현" panose="020B0600000101010101" pitchFamily="50" charset="-127"/>
+              </a:rPr>
+              <a:t>: </a:t>
+            </a:r>
+            <a:r>
+              <a:rPr lang="ko-KR" altLang="en-US" sz="1400" dirty="0">
+                <a:latin typeface="배달의민족 도현" panose="020B0600000101010101" pitchFamily="50" charset="-127"/>
+                <a:ea typeface="배달의민족 도현" panose="020B0600000101010101" pitchFamily="50" charset="-127"/>
+              </a:rPr>
+              <a:t>글 제목</a:t>
+            </a:r>
             <a:endParaRPr lang="en-US" altLang="ko-KR" sz="1400" dirty="0">
               <a:latin typeface="배달의민족 도현" panose="020B0600000101010101" pitchFamily="50" charset="-127"/>
               <a:ea typeface="배달의민족 도현" panose="020B0600000101010101" pitchFamily="50" charset="-127"/>
@@ -8897,39 +9473,29 @@
                 <a:latin typeface="배달의민족 도현" panose="020B0600000101010101" pitchFamily="50" charset="-127"/>
                 <a:ea typeface="배달의민족 도현" panose="020B0600000101010101" pitchFamily="50" charset="-127"/>
               </a:rPr>
-              <a:t>상품 </a:t>
+              <a:t>내용 </a:t>
             </a:r>
             <a:r>
               <a:rPr lang="en-US" altLang="ko-KR" sz="1400" dirty="0">
                 <a:latin typeface="배달의민족 도현" panose="020B0600000101010101" pitchFamily="50" charset="-127"/>
                 <a:ea typeface="배달의민족 도현" panose="020B0600000101010101" pitchFamily="50" charset="-127"/>
               </a:rPr>
-              <a:t>: </a:t>
-            </a:r>
-            <a:r>
-              <a:rPr lang="ko-KR" altLang="en-US" sz="1400" dirty="0">
-                <a:solidFill>
-                  <a:schemeClr val="accent3">
-                    <a:lumMod val="60000"/>
-                    <a:lumOff val="40000"/>
-                  </a:schemeClr>
-                </a:solidFill>
-                <a:latin typeface="배달의민족 도현" panose="020B0600000101010101" pitchFamily="50" charset="-127"/>
-                <a:ea typeface="배달의민족 도현" panose="020B0600000101010101" pitchFamily="50" charset="-127"/>
-              </a:rPr>
-              <a:t>아이템</a:t>
-            </a:r>
-            <a:r>
-              <a:rPr lang="ko-KR" altLang="en-US" sz="1400" dirty="0">
-                <a:latin typeface="배달의민족 도현" panose="020B0600000101010101" pitchFamily="50" charset="-127"/>
-                <a:ea typeface="배달의민족 도현" panose="020B0600000101010101" pitchFamily="50" charset="-127"/>
-              </a:rPr>
-              <a:t> 이미지 표시</a:t>
-            </a:r>
-            <a:endParaRPr lang="en-US" altLang="ko-KR" sz="1400" dirty="0">
-              <a:latin typeface="배달의민족 도현" panose="020B0600000101010101" pitchFamily="50" charset="-127"/>
-              <a:ea typeface="배달의민족 도현" panose="020B0600000101010101" pitchFamily="50" charset="-127"/>
-            </a:endParaRPr>
+              <a:t>:  </a:t>
+            </a:r>
+            <a:r>
+              <a:rPr lang="ko-KR" altLang="en-US" sz="1400" dirty="0">
+                <a:latin typeface="배달의민족 도현" panose="020B0600000101010101" pitchFamily="50" charset="-127"/>
+                <a:ea typeface="배달의민족 도현" panose="020B0600000101010101" pitchFamily="50" charset="-127"/>
+              </a:rPr>
+              <a:t>글 내용</a:t>
+            </a:r>
+            <a:r>
+              <a:rPr lang="en-US" altLang="ko-KR" sz="1400" dirty="0">
+                <a:latin typeface="배달의민족 도현" panose="020B0600000101010101" pitchFamily="50" charset="-127"/>
+                <a:ea typeface="배달의민족 도현" panose="020B0600000101010101" pitchFamily="50" charset="-127"/>
+              </a:rPr>
+              <a:t> </a:t>
+            </a:r>
           </a:p>
           <a:p>
             <a:pPr indent="-228600" latinLnBrk="0">
@@ -8939,6 +9505,27 @@
               <a:buFont typeface="Arial" panose="020B0604020202020204" pitchFamily="34" charset="0"/>
               <a:buChar char="•"/>
             </a:pPr>
+            <a:r>
+              <a:rPr lang="ko-KR" altLang="en-US" sz="1400" dirty="0">
+                <a:latin typeface="배달의민족 도현" panose="020B0600000101010101" pitchFamily="50" charset="-127"/>
+                <a:ea typeface="배달의민족 도현" panose="020B0600000101010101" pitchFamily="50" charset="-127"/>
+              </a:rPr>
+              <a:t>이미지 </a:t>
+            </a:r>
+            <a:r>
+              <a:rPr lang="en-US" altLang="ko-KR" sz="1400" dirty="0">
+                <a:latin typeface="배달의민족 도현" panose="020B0600000101010101" pitchFamily="50" charset="-127"/>
+                <a:ea typeface="배달의민족 도현" panose="020B0600000101010101" pitchFamily="50" charset="-127"/>
+              </a:rPr>
+              <a:t>: </a:t>
+            </a:r>
+            <a:r>
+              <a:rPr lang="ko-KR" altLang="en-US" sz="1400" dirty="0">
+                <a:latin typeface="배달의민족 도현" panose="020B0600000101010101" pitchFamily="50" charset="-127"/>
+                <a:ea typeface="배달의민족 도현" panose="020B0600000101010101" pitchFamily="50" charset="-127"/>
+              </a:rPr>
+              <a:t>이미지 등록</a:t>
+            </a:r>
             <a:endParaRPr lang="en-US" altLang="ko-KR" sz="1400" dirty="0">
               <a:latin typeface="배달의민족 도현" panose="020B0600000101010101" pitchFamily="50" charset="-127"/>
               <a:ea typeface="배달의민족 도현" panose="020B0600000101010101" pitchFamily="50" charset="-127"/>
@@ -8952,162 +9539,23 @@
               <a:buFont typeface="Arial" panose="020B0604020202020204" pitchFamily="34" charset="0"/>
               <a:buChar char="•"/>
             </a:pPr>
-            <a:r>
-              <a:rPr lang="en-US" altLang="ko-KR" sz="1400" dirty="0">
-                <a:latin typeface="배달의민족 도현" panose="020B0600000101010101" pitchFamily="50" charset="-127"/>
-                <a:ea typeface="배달의민족 도현" panose="020B0600000101010101" pitchFamily="50" charset="-127"/>
-              </a:rPr>
-              <a:t>Buy </a:t>
-            </a:r>
-            <a:r>
-              <a:rPr lang="ko-KR" altLang="en-US" sz="1400" dirty="0">
-                <a:latin typeface="배달의민족 도현" panose="020B0600000101010101" pitchFamily="50" charset="-127"/>
-                <a:ea typeface="배달의민족 도현" panose="020B0600000101010101" pitchFamily="50" charset="-127"/>
-              </a:rPr>
-              <a:t>버튼 </a:t>
-            </a:r>
-            <a:r>
-              <a:rPr lang="en-US" altLang="ko-KR" sz="1400" dirty="0">
-                <a:latin typeface="배달의민족 도현" panose="020B0600000101010101" pitchFamily="50" charset="-127"/>
-                <a:ea typeface="배달의민족 도현" panose="020B0600000101010101" pitchFamily="50" charset="-127"/>
-              </a:rPr>
-              <a:t>: </a:t>
-            </a:r>
-            <a:r>
-              <a:rPr lang="ko-KR" altLang="en-US" sz="1400" dirty="0">
-                <a:latin typeface="배달의민족 도현" panose="020B0600000101010101" pitchFamily="50" charset="-127"/>
-                <a:ea typeface="배달의민족 도현" panose="020B0600000101010101" pitchFamily="50" charset="-127"/>
-              </a:rPr>
-              <a:t>가격표시 및 클릭 시 구매</a:t>
-            </a:r>
-            <a:br>
-              <a:rPr lang="en-US" altLang="ko-KR" sz="1400" dirty="0">
-                <a:latin typeface="배달의민족 도현" panose="020B0600000101010101" pitchFamily="50" charset="-127"/>
-                <a:ea typeface="배달의민족 도현" panose="020B0600000101010101" pitchFamily="50" charset="-127"/>
-              </a:rPr>
-            </a:br>
-            <a:r>
-              <a:rPr lang="en-US" altLang="ko-KR" sz="1400" dirty="0">
-                <a:latin typeface="배달의민족 도현" panose="020B0600000101010101" pitchFamily="50" charset="-127"/>
-                <a:ea typeface="배달의민족 도현" panose="020B0600000101010101" pitchFamily="50" charset="-127"/>
-              </a:rPr>
-              <a:t>    </a:t>
-            </a:r>
-            <a:r>
-              <a:rPr lang="ko-KR" altLang="en-US" sz="1400" dirty="0">
-                <a:latin typeface="배달의민족 도현" panose="020B0600000101010101" pitchFamily="50" charset="-127"/>
-                <a:ea typeface="배달의민족 도현" panose="020B0600000101010101" pitchFamily="50" charset="-127"/>
-              </a:rPr>
-              <a:t>메시지 팝업</a:t>
-            </a:r>
-            <a:r>
-              <a:rPr lang="en-US" altLang="ko-KR" sz="1400" dirty="0">
-                <a:latin typeface="배달의민족 도현" panose="020B0600000101010101" pitchFamily="50" charset="-127"/>
-                <a:ea typeface="배달의민족 도현" panose="020B0600000101010101" pitchFamily="50" charset="-127"/>
-              </a:rPr>
-              <a:t>, </a:t>
-            </a:r>
-            <a:r>
-              <a:rPr lang="ko-KR" altLang="en-US" sz="1400" dirty="0">
-                <a:latin typeface="배달의민족 도현" panose="020B0600000101010101" pitchFamily="50" charset="-127"/>
-                <a:ea typeface="배달의민족 도현" panose="020B0600000101010101" pitchFamily="50" charset="-127"/>
-              </a:rPr>
-              <a:t>구매 </a:t>
-            </a:r>
             <a:endParaRPr lang="en-US" altLang="ko-KR" sz="1400" dirty="0">
               <a:latin typeface="배달의민족 도현" panose="020B0600000101010101" pitchFamily="50" charset="-127"/>
               <a:ea typeface="배달의민족 도현" panose="020B0600000101010101" pitchFamily="50" charset="-127"/>
             </a:endParaRPr>
           </a:p>
           <a:p>
-            <a:pPr indent="-228600" latinLnBrk="0">
-              <a:spcAft>
-                <a:spcPts val="600"/>
-              </a:spcAft>
-              <a:buFont typeface="Arial" panose="020B0604020202020204" pitchFamily="34" charset="0"/>
-              <a:buChar char="•"/>
-            </a:pPr>
-            <a:endParaRPr lang="en-US" altLang="ko-KR" sz="1400" dirty="0">
-              <a:latin typeface="배달의민족 도현" panose="020B0600000101010101" pitchFamily="50" charset="-127"/>
-              <a:ea typeface="배달의민족 도현" panose="020B0600000101010101" pitchFamily="50" charset="-127"/>
-            </a:endParaRPr>
-          </a:p>
-          <a:p>
-            <a:pPr indent="-228600" latinLnBrk="0">
-              <a:spcAft>
-                <a:spcPts val="600"/>
-              </a:spcAft>
-              <a:buFont typeface="Arial" panose="020B0604020202020204" pitchFamily="34" charset="0"/>
-              <a:buChar char="•"/>
-            </a:pPr>
-            <a:r>
-              <a:rPr lang="ko-KR" altLang="en-US" sz="1400" dirty="0">
-                <a:solidFill>
-                  <a:schemeClr val="tx1">
-                    <a:lumMod val="65000"/>
-                    <a:lumOff val="35000"/>
-                  </a:schemeClr>
-                </a:solidFill>
-                <a:latin typeface="배달의민족 도현" panose="020B0600000101010101" pitchFamily="50" charset="-127"/>
-                <a:ea typeface="배달의민족 도현" panose="020B0600000101010101" pitchFamily="50" charset="-127"/>
-              </a:rPr>
-              <a:t>등록</a:t>
-            </a:r>
-            <a:r>
-              <a:rPr lang="ko-KR" altLang="en-US" sz="1400" dirty="0">
-                <a:latin typeface="배달의민족 도현" panose="020B0600000101010101" pitchFamily="50" charset="-127"/>
-                <a:ea typeface="배달의민족 도현" panose="020B0600000101010101" pitchFamily="50" charset="-127"/>
-              </a:rPr>
-              <a:t> </a:t>
-            </a:r>
-            <a:r>
-              <a:rPr lang="en-US" altLang="ko-KR" sz="1400" dirty="0">
-                <a:latin typeface="배달의민족 도현" panose="020B0600000101010101" pitchFamily="50" charset="-127"/>
-                <a:ea typeface="배달의민족 도현" panose="020B0600000101010101" pitchFamily="50" charset="-127"/>
-              </a:rPr>
-              <a:t>: </a:t>
-            </a:r>
-            <a:r>
-              <a:rPr lang="ko-KR" altLang="en-US" sz="1400" dirty="0">
-                <a:latin typeface="배달의민족 도현" panose="020B0600000101010101" pitchFamily="50" charset="-127"/>
-                <a:ea typeface="배달의민족 도현" panose="020B0600000101010101" pitchFamily="50" charset="-127"/>
-              </a:rPr>
-              <a:t>관리자 계정에만 표시되는</a:t>
-            </a:r>
-            <a:endParaRPr lang="en-US" altLang="ko-KR" sz="1400" dirty="0">
-              <a:latin typeface="배달의민족 도현" panose="020B0600000101010101" pitchFamily="50" charset="-127"/>
-              <a:ea typeface="배달의민족 도현" panose="020B0600000101010101" pitchFamily="50" charset="-127"/>
-            </a:endParaRPr>
-          </a:p>
-          <a:p>
             <a:pPr latinLnBrk="0">
               <a:spcAft>
                 <a:spcPts val="600"/>
               </a:spcAft>
             </a:pPr>
             <a:r>
-              <a:rPr lang="en-US" altLang="ko-KR" sz="1400" dirty="0">
-                <a:latin typeface="배달의민족 도현" panose="020B0600000101010101" pitchFamily="50" charset="-127"/>
-                <a:ea typeface="배달의민족 도현" panose="020B0600000101010101" pitchFamily="50" charset="-127"/>
-              </a:rPr>
-              <a:t>    </a:t>
-            </a:r>
-            <a:r>
-              <a:rPr lang="ko-KR" altLang="en-US" sz="1400" dirty="0">
-                <a:solidFill>
-                  <a:srgbClr val="957777"/>
-                </a:solidFill>
-                <a:latin typeface="배달의민족 도현" panose="020B0600000101010101" pitchFamily="50" charset="-127"/>
-                <a:ea typeface="배달의민족 도현" panose="020B0600000101010101" pitchFamily="50" charset="-127"/>
-              </a:rPr>
-              <a:t>상품</a:t>
-            </a:r>
-            <a:r>
-              <a:rPr lang="ko-KR" altLang="en-US" sz="1400" dirty="0">
-                <a:latin typeface="배달의민족 도현" panose="020B0600000101010101" pitchFamily="50" charset="-127"/>
-                <a:ea typeface="배달의민족 도현" panose="020B0600000101010101" pitchFamily="50" charset="-127"/>
-              </a:rPr>
-              <a:t> 등록 페이지 이동 버튼</a:t>
+              <a:rPr lang="ko-KR" altLang="en-US" sz="1400" dirty="0">
+                <a:latin typeface="배달의민족 도현" panose="020B0600000101010101" pitchFamily="50" charset="-127"/>
+                <a:ea typeface="배달의민족 도현" panose="020B0600000101010101" pitchFamily="50" charset="-127"/>
+              </a:rPr>
+              <a:t>저장 버튼 클릭 시 공지 등록</a:t>
             </a:r>
             <a:endParaRPr lang="en-US" altLang="ko-KR" sz="1400" dirty="0">
               <a:latin typeface="배달의민족 도현" panose="020B0600000101010101" pitchFamily="50" charset="-127"/>
@@ -9121,7 +9569,7 @@
           <p:cNvPr id="4" name="그림 3">
             <a:extLst>
               <a:ext uri="{FF2B5EF4-FFF2-40B4-BE49-F238E27FC236}">
-                <a16:creationId xmlns:a16="http://schemas.microsoft.com/office/drawing/2014/main" id="{1389C8C8-FFB8-5254-4A02-56FA18FDFDE7}"/>
+                <a16:creationId xmlns:a16="http://schemas.microsoft.com/office/drawing/2014/main" id="{82520DD4-6DFB-4DBC-3716-AC30B06C6DE6}"/>
               </a:ext>
             </a:extLst>
           </p:cNvPr>
@@ -9143,8 +9591,8 @@
         </p:blipFill>
         <p:spPr>
           <a:xfrm>
-            <a:off x="518359" y="1874290"/>
-            <a:ext cx="4263886" cy="3859222"/>
+            <a:off x="490671" y="1874290"/>
+            <a:ext cx="4319261" cy="3859222"/>
           </a:xfrm>
           <a:prstGeom prst="rect">
             <a:avLst/>
@@ -9154,596 +9602,7 @@
     </p:spTree>
     <p:extLst>
       <p:ext uri="{BB962C8B-B14F-4D97-AF65-F5344CB8AC3E}">
-        <p14:creationId xmlns:p14="http://schemas.microsoft.com/office/powerpoint/2010/main" val="3559561635"/>
-      </p:ext>
-    </p:extLst>
-  </p:cSld>
-  <p:clrMapOvr>
-    <a:masterClrMapping/>
-  </p:clrMapOvr>
-</p:sld>
-</file>
-
-<file path=ppt/slides/slide19.xml><?xml version="1.0" encoding="utf-8"?>
-<p:sld xmlns:a="http://schemas.openxmlformats.org/drawingml/2006/main" xmlns:r="http://schemas.openxmlformats.org/officeDocument/2006/relationships" xmlns:p="http://schemas.openxmlformats.org/presentationml/2006/main">
-  <p:cSld>
-    <p:spTree>
-      <p:nvGrpSpPr>
-        <p:cNvPr id="1" name="">
-          <a:extLst>
-            <a:ext uri="{FF2B5EF4-FFF2-40B4-BE49-F238E27FC236}">
-              <a16:creationId xmlns:a16="http://schemas.microsoft.com/office/drawing/2014/main" id="{0D4945D8-3909-323E-EDA7-06A70F409B81}"/>
-            </a:ext>
-          </a:extLst>
-        </p:cNvPr>
-        <p:cNvGrpSpPr/>
-        <p:nvPr/>
-      </p:nvGrpSpPr>
-      <p:grpSpPr>
-        <a:xfrm>
-          <a:off x="0" y="0"/>
-          <a:ext cx="0" cy="0"/>
-          <a:chOff x="0" y="0"/>
-          <a:chExt cx="0" cy="0"/>
-        </a:xfrm>
-      </p:grpSpPr>
-      <p:sp>
-        <p:nvSpPr>
-          <p:cNvPr id="2" name="TextBox 1">
-            <a:extLst>
-              <a:ext uri="{FF2B5EF4-FFF2-40B4-BE49-F238E27FC236}">
-                <a16:creationId xmlns:a16="http://schemas.microsoft.com/office/drawing/2014/main" id="{F9D12A38-EEEA-5865-B4C7-72980D35C1B3}"/>
-              </a:ext>
-            </a:extLst>
-          </p:cNvPr>
-          <p:cNvSpPr txBox="1"/>
-          <p:nvPr/>
-        </p:nvSpPr>
-        <p:spPr>
-          <a:xfrm>
-            <a:off x="390906" y="685309"/>
-            <a:ext cx="8366760" cy="1115568"/>
-          </a:xfrm>
-          <a:prstGeom prst="rect">
-            <a:avLst/>
-          </a:prstGeom>
-        </p:spPr>
-        <p:txBody>
-          <a:bodyPr vert="horz" lIns="91440" tIns="45720" rIns="91440" bIns="45720" rtlCol="0" anchor="t">
-            <a:normAutofit/>
-          </a:bodyPr>
-          <a:lstStyle/>
-          <a:p>
-            <a:pPr latinLnBrk="0">
-              <a:spcBef>
-                <a:spcPct val="0"/>
-              </a:spcBef>
-              <a:spcAft>
-                <a:spcPts val="600"/>
-              </a:spcAft>
-            </a:pPr>
-            <a:r>
-              <a:rPr lang="en-US" altLang="ko-KR" sz="4400" b="1" kern="1200" dirty="0">
-                <a:solidFill>
-                  <a:schemeClr val="tx1"/>
-                </a:solidFill>
-                <a:latin typeface="+mj-lt"/>
-                <a:ea typeface="+mj-ea"/>
-                <a:cs typeface="+mj-cs"/>
-              </a:rPr>
-              <a:t>Web</a:t>
-            </a:r>
-          </a:p>
-        </p:txBody>
-      </p:sp>
-      <p:sp>
-        <p:nvSpPr>
-          <p:cNvPr id="8" name="TextBox 7">
-            <a:extLst>
-              <a:ext uri="{FF2B5EF4-FFF2-40B4-BE49-F238E27FC236}">
-                <a16:creationId xmlns:a16="http://schemas.microsoft.com/office/drawing/2014/main" id="{84ED2AB4-ACDE-5B77-1380-25C1A188D6D7}"/>
-              </a:ext>
-            </a:extLst>
-          </p:cNvPr>
-          <p:cNvSpPr txBox="1"/>
-          <p:nvPr/>
-        </p:nvSpPr>
-        <p:spPr>
-          <a:xfrm>
-            <a:off x="5220459" y="1800877"/>
-            <a:ext cx="3685034" cy="4853923"/>
-          </a:xfrm>
-          <a:prstGeom prst="rect">
-            <a:avLst/>
-          </a:prstGeom>
-        </p:spPr>
-        <p:txBody>
-          <a:bodyPr vert="horz" lIns="91440" tIns="45720" rIns="91440" bIns="45720" rtlCol="0">
-            <a:normAutofit/>
-          </a:bodyPr>
-          <a:lstStyle/>
-          <a:p>
-            <a:pPr latinLnBrk="0">
-              <a:spcAft>
-                <a:spcPts val="600"/>
-              </a:spcAft>
-            </a:pPr>
-            <a:r>
-              <a:rPr lang="ko-KR" altLang="en-US" dirty="0">
-                <a:latin typeface="배달의민족 도현" panose="020B0600000101010101" pitchFamily="50" charset="-127"/>
-                <a:ea typeface="배달의민족 도현" panose="020B0600000101010101" pitchFamily="50" charset="-127"/>
-              </a:rPr>
-              <a:t>◎ </a:t>
-            </a:r>
-            <a:r>
-              <a:rPr lang="ko-KR" altLang="en-US" dirty="0">
-                <a:solidFill>
-                  <a:srgbClr val="957777"/>
-                </a:solidFill>
-                <a:latin typeface="배달의민족 도현" panose="020B0600000101010101" pitchFamily="50" charset="-127"/>
-                <a:ea typeface="배달의민족 도현" panose="020B0600000101010101" pitchFamily="50" charset="-127"/>
-              </a:rPr>
-              <a:t>상품</a:t>
-            </a:r>
-            <a:r>
-              <a:rPr lang="ko-KR" altLang="en-US" dirty="0">
-                <a:latin typeface="배달의민족 도현" panose="020B0600000101010101" pitchFamily="50" charset="-127"/>
-                <a:ea typeface="배달의민족 도현" panose="020B0600000101010101" pitchFamily="50" charset="-127"/>
-              </a:rPr>
-              <a:t> 등록 페이지</a:t>
-            </a:r>
-            <a:endParaRPr lang="en-US" altLang="ko-KR" sz="800" dirty="0">
-              <a:latin typeface="배달의민족 도현" panose="020B0600000101010101" pitchFamily="50" charset="-127"/>
-              <a:ea typeface="배달의민족 도현" panose="020B0600000101010101" pitchFamily="50" charset="-127"/>
-            </a:endParaRPr>
-          </a:p>
-          <a:p>
-            <a:pPr latinLnBrk="0">
-              <a:spcAft>
-                <a:spcPts val="600"/>
-              </a:spcAft>
-            </a:pPr>
-            <a:r>
-              <a:rPr lang="ko-KR" altLang="en-US" sz="1400" dirty="0">
-                <a:latin typeface="배달의민족 도현" panose="020B0600000101010101" pitchFamily="50" charset="-127"/>
-                <a:ea typeface="배달의민족 도현" panose="020B0600000101010101" pitchFamily="50" charset="-127"/>
-              </a:rPr>
-              <a:t>관리자 상품 등록 페이지</a:t>
-            </a:r>
-            <a:endParaRPr lang="en-US" altLang="ko-KR" sz="1400" dirty="0">
-              <a:latin typeface="배달의민족 도현" panose="020B0600000101010101" pitchFamily="50" charset="-127"/>
-              <a:ea typeface="배달의민족 도현" panose="020B0600000101010101" pitchFamily="50" charset="-127"/>
-            </a:endParaRPr>
-          </a:p>
-          <a:p>
-            <a:pPr latinLnBrk="0">
-              <a:spcAft>
-                <a:spcPts val="600"/>
-              </a:spcAft>
-            </a:pPr>
-            <a:endParaRPr lang="en-US" altLang="ko-KR" sz="800" dirty="0">
-              <a:latin typeface="배달의민족 도현" panose="020B0600000101010101" pitchFamily="50" charset="-127"/>
-              <a:ea typeface="배달의민족 도현" panose="020B0600000101010101" pitchFamily="50" charset="-127"/>
-            </a:endParaRPr>
-          </a:p>
-          <a:p>
-            <a:pPr indent="-228600" latinLnBrk="0">
-              <a:spcAft>
-                <a:spcPts val="600"/>
-              </a:spcAft>
-              <a:buFont typeface="Arial" panose="020B0604020202020204" pitchFamily="34" charset="0"/>
-              <a:buChar char="•"/>
-            </a:pPr>
-            <a:r>
-              <a:rPr lang="en-US" altLang="ko-KR" sz="1400" dirty="0">
-                <a:latin typeface="배달의민족 도현" panose="020B0600000101010101" pitchFamily="50" charset="-127"/>
-                <a:ea typeface="배달의민족 도현" panose="020B0600000101010101" pitchFamily="50" charset="-127"/>
-              </a:rPr>
-              <a:t>Game</a:t>
-            </a:r>
-            <a:r>
-              <a:rPr lang="ko-KR" altLang="en-US" sz="1400" dirty="0">
-                <a:latin typeface="배달의민족 도현" panose="020B0600000101010101" pitchFamily="50" charset="-127"/>
-                <a:ea typeface="배달의민족 도현" panose="020B0600000101010101" pitchFamily="50" charset="-127"/>
-              </a:rPr>
-              <a:t> </a:t>
-            </a:r>
-            <a:r>
-              <a:rPr lang="en-US" altLang="ko-KR" sz="1400" dirty="0">
-                <a:latin typeface="배달의민족 도현" panose="020B0600000101010101" pitchFamily="50" charset="-127"/>
-                <a:ea typeface="배달의민족 도현" panose="020B0600000101010101" pitchFamily="50" charset="-127"/>
-              </a:rPr>
-              <a:t>: </a:t>
-            </a:r>
-            <a:r>
-              <a:rPr lang="ko-KR" altLang="en-US" sz="1400" dirty="0">
-                <a:latin typeface="배달의민족 도현" panose="020B0600000101010101" pitchFamily="50" charset="-127"/>
-                <a:ea typeface="배달의민족 도현" panose="020B0600000101010101" pitchFamily="50" charset="-127"/>
-              </a:rPr>
-              <a:t>어느 게임의 상품인지 설정</a:t>
-            </a:r>
-            <a:endParaRPr lang="en-US" altLang="ko-KR" sz="1400" dirty="0">
-              <a:latin typeface="배달의민족 도현" panose="020B0600000101010101" pitchFamily="50" charset="-127"/>
-              <a:ea typeface="배달의민족 도현" panose="020B0600000101010101" pitchFamily="50" charset="-127"/>
-            </a:endParaRPr>
-          </a:p>
-          <a:p>
-            <a:pPr latinLnBrk="0">
-              <a:spcAft>
-                <a:spcPts val="600"/>
-              </a:spcAft>
-            </a:pPr>
-            <a:endParaRPr lang="en-US" altLang="ko-KR" sz="800" dirty="0">
-              <a:latin typeface="배달의민족 도현" panose="020B0600000101010101" pitchFamily="50" charset="-127"/>
-              <a:ea typeface="배달의민족 도현" panose="020B0600000101010101" pitchFamily="50" charset="-127"/>
-            </a:endParaRPr>
-          </a:p>
-          <a:p>
-            <a:pPr indent="-228600" latinLnBrk="0">
-              <a:spcAft>
-                <a:spcPts val="600"/>
-              </a:spcAft>
-              <a:buFont typeface="Arial" panose="020B0604020202020204" pitchFamily="34" charset="0"/>
-              <a:buChar char="•"/>
-            </a:pPr>
-            <a:r>
-              <a:rPr lang="en-US" altLang="ko-KR" sz="1400" dirty="0">
-                <a:latin typeface="배달의민족 도현" panose="020B0600000101010101" pitchFamily="50" charset="-127"/>
-                <a:ea typeface="배달의민족 도현" panose="020B0600000101010101" pitchFamily="50" charset="-127"/>
-              </a:rPr>
-              <a:t>Type : </a:t>
-            </a:r>
-            <a:r>
-              <a:rPr lang="ko-KR" altLang="en-US" sz="1400" dirty="0">
-                <a:latin typeface="배달의민족 도현" panose="020B0600000101010101" pitchFamily="50" charset="-127"/>
-                <a:ea typeface="배달의민족 도현" panose="020B0600000101010101" pitchFamily="50" charset="-127"/>
-              </a:rPr>
-              <a:t>아이템의 타입 </a:t>
-            </a:r>
-            <a:r>
-              <a:rPr lang="en-US" altLang="ko-KR" sz="1400" dirty="0">
-                <a:latin typeface="배달의민족 도현" panose="020B0600000101010101" pitchFamily="50" charset="-127"/>
-                <a:ea typeface="배달의민족 도현" panose="020B0600000101010101" pitchFamily="50" charset="-127"/>
-              </a:rPr>
-              <a:t>(</a:t>
-            </a:r>
-            <a:r>
-              <a:rPr lang="ko-KR" altLang="en-US" sz="1400" dirty="0">
-                <a:latin typeface="배달의민족 도현" panose="020B0600000101010101" pitchFamily="50" charset="-127"/>
-                <a:ea typeface="배달의민족 도현" panose="020B0600000101010101" pitchFamily="50" charset="-127"/>
-              </a:rPr>
-              <a:t>치장형</a:t>
-            </a:r>
-            <a:r>
-              <a:rPr lang="en-US" altLang="ko-KR" sz="1400" dirty="0">
-                <a:latin typeface="배달의민족 도현" panose="020B0600000101010101" pitchFamily="50" charset="-127"/>
-                <a:ea typeface="배달의민족 도현" panose="020B0600000101010101" pitchFamily="50" charset="-127"/>
-              </a:rPr>
-              <a:t>, </a:t>
-            </a:r>
-            <a:r>
-              <a:rPr lang="ko-KR" altLang="en-US" sz="1400" dirty="0">
-                <a:latin typeface="배달의민족 도현" panose="020B0600000101010101" pitchFamily="50" charset="-127"/>
-                <a:ea typeface="배달의민족 도현" panose="020B0600000101010101" pitchFamily="50" charset="-127"/>
-              </a:rPr>
-              <a:t>기능형</a:t>
-            </a:r>
-            <a:r>
-              <a:rPr lang="en-US" altLang="ko-KR" sz="1400" dirty="0">
-                <a:latin typeface="배달의민족 도현" panose="020B0600000101010101" pitchFamily="50" charset="-127"/>
-                <a:ea typeface="배달의민족 도현" panose="020B0600000101010101" pitchFamily="50" charset="-127"/>
-              </a:rPr>
-              <a:t>)</a:t>
-            </a:r>
-          </a:p>
-          <a:p>
-            <a:pPr indent="-228600" latinLnBrk="0">
-              <a:spcAft>
-                <a:spcPts val="600"/>
-              </a:spcAft>
-              <a:buFont typeface="Arial" panose="020B0604020202020204" pitchFamily="34" charset="0"/>
-              <a:buChar char="•"/>
-            </a:pPr>
-            <a:endParaRPr lang="en-US" altLang="ko-KR" sz="800" dirty="0">
-              <a:latin typeface="배달의민족 도현" panose="020B0600000101010101" pitchFamily="50" charset="-127"/>
-              <a:ea typeface="배달의민족 도현" panose="020B0600000101010101" pitchFamily="50" charset="-127"/>
-            </a:endParaRPr>
-          </a:p>
-          <a:p>
-            <a:pPr indent="-228600" latinLnBrk="0">
-              <a:spcAft>
-                <a:spcPts val="600"/>
-              </a:spcAft>
-              <a:buFont typeface="Arial" panose="020B0604020202020204" pitchFamily="34" charset="0"/>
-              <a:buChar char="•"/>
-            </a:pPr>
-            <a:r>
-              <a:rPr lang="en-US" altLang="ko-KR" sz="1400" dirty="0">
-                <a:solidFill>
-                  <a:srgbClr val="957777"/>
-                </a:solidFill>
-                <a:latin typeface="배달의민족 도현" panose="020B0600000101010101" pitchFamily="50" charset="-127"/>
-                <a:ea typeface="배달의민족 도현" panose="020B0600000101010101" pitchFamily="50" charset="-127"/>
-              </a:rPr>
-              <a:t>Name</a:t>
-            </a:r>
-            <a:r>
-              <a:rPr lang="ko-KR" altLang="en-US" sz="1400" dirty="0">
-                <a:latin typeface="배달의민족 도현" panose="020B0600000101010101" pitchFamily="50" charset="-127"/>
-                <a:ea typeface="배달의민족 도현" panose="020B0600000101010101" pitchFamily="50" charset="-127"/>
-              </a:rPr>
-              <a:t> </a:t>
-            </a:r>
-            <a:r>
-              <a:rPr lang="en-US" altLang="ko-KR" sz="1400" dirty="0">
-                <a:latin typeface="배달의민족 도현" panose="020B0600000101010101" pitchFamily="50" charset="-127"/>
-                <a:ea typeface="배달의민족 도현" panose="020B0600000101010101" pitchFamily="50" charset="-127"/>
-              </a:rPr>
-              <a:t>: </a:t>
-            </a:r>
-            <a:r>
-              <a:rPr lang="ko-KR" altLang="en-US" sz="1400" dirty="0">
-                <a:latin typeface="배달의민족 도현" panose="020B0600000101010101" pitchFamily="50" charset="-127"/>
-                <a:ea typeface="배달의민족 도현" panose="020B0600000101010101" pitchFamily="50" charset="-127"/>
-              </a:rPr>
-              <a:t>등록할 상품의 이름</a:t>
-            </a:r>
-            <a:endParaRPr lang="en-US" altLang="ko-KR" sz="1400" dirty="0">
-              <a:latin typeface="배달의민족 도현" panose="020B0600000101010101" pitchFamily="50" charset="-127"/>
-              <a:ea typeface="배달의민족 도현" panose="020B0600000101010101" pitchFamily="50" charset="-127"/>
-            </a:endParaRPr>
-          </a:p>
-          <a:p>
-            <a:pPr latinLnBrk="0">
-              <a:spcAft>
-                <a:spcPts val="600"/>
-              </a:spcAft>
-            </a:pPr>
-            <a:endParaRPr lang="en-US" altLang="ko-KR" sz="800" dirty="0">
-              <a:latin typeface="배달의민족 도현" panose="020B0600000101010101" pitchFamily="50" charset="-127"/>
-              <a:ea typeface="배달의민족 도현" panose="020B0600000101010101" pitchFamily="50" charset="-127"/>
-            </a:endParaRPr>
-          </a:p>
-          <a:p>
-            <a:pPr indent="-228600" latinLnBrk="0">
-              <a:spcAft>
-                <a:spcPts val="600"/>
-              </a:spcAft>
-              <a:buFont typeface="Arial" panose="020B0604020202020204" pitchFamily="34" charset="0"/>
-              <a:buChar char="•"/>
-            </a:pPr>
-            <a:r>
-              <a:rPr lang="en-US" altLang="ko-KR" sz="1400" dirty="0">
-                <a:solidFill>
-                  <a:srgbClr val="FEAF00"/>
-                </a:solidFill>
-                <a:latin typeface="배달의민족 도현" panose="020B0600000101010101" pitchFamily="50" charset="-127"/>
-                <a:ea typeface="배달의민족 도현" panose="020B0600000101010101" pitchFamily="50" charset="-127"/>
-              </a:rPr>
-              <a:t>Price</a:t>
-            </a:r>
-            <a:r>
-              <a:rPr lang="ko-KR" altLang="en-US" sz="1400" dirty="0">
-                <a:latin typeface="배달의민족 도현" panose="020B0600000101010101" pitchFamily="50" charset="-127"/>
-                <a:ea typeface="배달의민족 도현" panose="020B0600000101010101" pitchFamily="50" charset="-127"/>
-              </a:rPr>
-              <a:t> </a:t>
-            </a:r>
-            <a:r>
-              <a:rPr lang="en-US" altLang="ko-KR" sz="1400" dirty="0">
-                <a:latin typeface="배달의민족 도현" panose="020B0600000101010101" pitchFamily="50" charset="-127"/>
-                <a:ea typeface="배달의민족 도현" panose="020B0600000101010101" pitchFamily="50" charset="-127"/>
-              </a:rPr>
-              <a:t>: </a:t>
-            </a:r>
-            <a:r>
-              <a:rPr lang="ko-KR" altLang="en-US" sz="1400" dirty="0">
-                <a:latin typeface="배달의민족 도현" panose="020B0600000101010101" pitchFamily="50" charset="-127"/>
-                <a:ea typeface="배달의민족 도현" panose="020B0600000101010101" pitchFamily="50" charset="-127"/>
-              </a:rPr>
-              <a:t>등록할 상품의 </a:t>
-            </a:r>
-            <a:r>
-              <a:rPr lang="ko-KR" altLang="en-US" sz="1400" dirty="0">
-                <a:solidFill>
-                  <a:srgbClr val="FEAF00"/>
-                </a:solidFill>
-                <a:latin typeface="배달의민족 도현" panose="020B0600000101010101" pitchFamily="50" charset="-127"/>
-                <a:ea typeface="배달의민족 도현" panose="020B0600000101010101" pitchFamily="50" charset="-127"/>
-              </a:rPr>
-              <a:t>코인</a:t>
-            </a:r>
-            <a:r>
-              <a:rPr lang="ko-KR" altLang="en-US" sz="1400" dirty="0">
-                <a:latin typeface="배달의민족 도현" panose="020B0600000101010101" pitchFamily="50" charset="-127"/>
-                <a:ea typeface="배달의민족 도현" panose="020B0600000101010101" pitchFamily="50" charset="-127"/>
-              </a:rPr>
-              <a:t> 가격</a:t>
-            </a:r>
-            <a:r>
-              <a:rPr lang="en-US" altLang="ko-KR" sz="1400" dirty="0">
-                <a:latin typeface="배달의민족 도현" panose="020B0600000101010101" pitchFamily="50" charset="-127"/>
-                <a:ea typeface="배달의민족 도현" panose="020B0600000101010101" pitchFamily="50" charset="-127"/>
-              </a:rPr>
-              <a:t> </a:t>
-            </a:r>
-          </a:p>
-          <a:p>
-            <a:pPr indent="-228600" latinLnBrk="0">
-              <a:spcAft>
-                <a:spcPts val="600"/>
-              </a:spcAft>
-              <a:buFont typeface="Arial" panose="020B0604020202020204" pitchFamily="34" charset="0"/>
-              <a:buChar char="•"/>
-            </a:pPr>
-            <a:endParaRPr lang="en-US" altLang="ko-KR" sz="800" dirty="0">
-              <a:latin typeface="배달의민족 도현" panose="020B0600000101010101" pitchFamily="50" charset="-127"/>
-              <a:ea typeface="배달의민족 도현" panose="020B0600000101010101" pitchFamily="50" charset="-127"/>
-            </a:endParaRPr>
-          </a:p>
-          <a:p>
-            <a:pPr indent="-228600" latinLnBrk="0">
-              <a:spcAft>
-                <a:spcPts val="600"/>
-              </a:spcAft>
-              <a:buFont typeface="Arial" panose="020B0604020202020204" pitchFamily="34" charset="0"/>
-              <a:buChar char="•"/>
-            </a:pPr>
-            <a:r>
-              <a:rPr lang="en-US" altLang="ko-KR" sz="1400" dirty="0">
-                <a:latin typeface="배달의민족 도현" panose="020B0600000101010101" pitchFamily="50" charset="-127"/>
-                <a:ea typeface="배달의민족 도현" panose="020B0600000101010101" pitchFamily="50" charset="-127"/>
-              </a:rPr>
-              <a:t>Image</a:t>
-            </a:r>
-            <a:r>
-              <a:rPr lang="ko-KR" altLang="en-US" sz="1400" dirty="0">
-                <a:latin typeface="배달의민족 도현" panose="020B0600000101010101" pitchFamily="50" charset="-127"/>
-                <a:ea typeface="배달의민족 도현" panose="020B0600000101010101" pitchFamily="50" charset="-127"/>
-              </a:rPr>
-              <a:t> </a:t>
-            </a:r>
-            <a:r>
-              <a:rPr lang="en-US" altLang="ko-KR" sz="1400" dirty="0">
-                <a:latin typeface="배달의민족 도현" panose="020B0600000101010101" pitchFamily="50" charset="-127"/>
-                <a:ea typeface="배달의민족 도현" panose="020B0600000101010101" pitchFamily="50" charset="-127"/>
-              </a:rPr>
-              <a:t>: </a:t>
-            </a:r>
-            <a:r>
-              <a:rPr lang="ko-KR" altLang="en-US" sz="1400" dirty="0">
-                <a:latin typeface="배달의민족 도현" panose="020B0600000101010101" pitchFamily="50" charset="-127"/>
-                <a:ea typeface="배달의민족 도현" panose="020B0600000101010101" pitchFamily="50" charset="-127"/>
-              </a:rPr>
-              <a:t>등록할 상품의 이미지를 </a:t>
-            </a:r>
-            <a:br>
-              <a:rPr lang="en-US" altLang="ko-KR" sz="1400" dirty="0">
-                <a:latin typeface="배달의민족 도현" panose="020B0600000101010101" pitchFamily="50" charset="-127"/>
-                <a:ea typeface="배달의민족 도현" panose="020B0600000101010101" pitchFamily="50" charset="-127"/>
-              </a:rPr>
-            </a:br>
-            <a:r>
-              <a:rPr lang="en-US" altLang="ko-KR" sz="1400" dirty="0">
-                <a:latin typeface="배달의민족 도현" panose="020B0600000101010101" pitchFamily="50" charset="-127"/>
-                <a:ea typeface="배달의민족 도현" panose="020B0600000101010101" pitchFamily="50" charset="-127"/>
-              </a:rPr>
-              <a:t>    </a:t>
-            </a:r>
-            <a:r>
-              <a:rPr lang="ko-KR" altLang="en-US" sz="1400" dirty="0">
-                <a:latin typeface="배달의민족 도현" panose="020B0600000101010101" pitchFamily="50" charset="-127"/>
-                <a:ea typeface="배달의민족 도현" panose="020B0600000101010101" pitchFamily="50" charset="-127"/>
-              </a:rPr>
-              <a:t>컴퓨터 내에서 찾고</a:t>
-            </a:r>
-            <a:r>
-              <a:rPr lang="en-US" altLang="ko-KR" sz="1400" dirty="0">
-                <a:latin typeface="배달의민족 도현" panose="020B0600000101010101" pitchFamily="50" charset="-127"/>
-                <a:ea typeface="배달의민족 도현" panose="020B0600000101010101" pitchFamily="50" charset="-127"/>
-              </a:rPr>
-              <a:t> </a:t>
-            </a:r>
-            <a:r>
-              <a:rPr lang="ko-KR" altLang="en-US" sz="1400" dirty="0">
-                <a:latin typeface="배달의민족 도현" panose="020B0600000101010101" pitchFamily="50" charset="-127"/>
-                <a:ea typeface="배달의민족 도현" panose="020B0600000101010101" pitchFamily="50" charset="-127"/>
-              </a:rPr>
-              <a:t>업로드</a:t>
-            </a:r>
-            <a:endParaRPr lang="en-US" altLang="ko-KR" sz="1400" dirty="0">
-              <a:latin typeface="배달의민족 도현" panose="020B0600000101010101" pitchFamily="50" charset="-127"/>
-              <a:ea typeface="배달의민족 도현" panose="020B0600000101010101" pitchFamily="50" charset="-127"/>
-            </a:endParaRPr>
-          </a:p>
-          <a:p>
-            <a:pPr indent="-228600" latinLnBrk="0">
-              <a:spcAft>
-                <a:spcPts val="600"/>
-              </a:spcAft>
-              <a:buFont typeface="Arial" panose="020B0604020202020204" pitchFamily="34" charset="0"/>
-              <a:buChar char="•"/>
-            </a:pPr>
-            <a:endParaRPr lang="en-US" altLang="ko-KR" sz="800" dirty="0">
-              <a:latin typeface="배달의민족 도현" panose="020B0600000101010101" pitchFamily="50" charset="-127"/>
-              <a:ea typeface="배달의민족 도현" panose="020B0600000101010101" pitchFamily="50" charset="-127"/>
-            </a:endParaRPr>
-          </a:p>
-          <a:p>
-            <a:pPr indent="-228600" latinLnBrk="0">
-              <a:spcAft>
-                <a:spcPts val="600"/>
-              </a:spcAft>
-              <a:buFont typeface="Arial" panose="020B0604020202020204" pitchFamily="34" charset="0"/>
-              <a:buChar char="•"/>
-            </a:pPr>
-            <a:r>
-              <a:rPr lang="ko-KR" altLang="en-US" sz="1400" dirty="0">
-                <a:latin typeface="배달의민족 도현" panose="020B0600000101010101" pitchFamily="50" charset="-127"/>
-                <a:ea typeface="배달의민족 도현" panose="020B0600000101010101" pitchFamily="50" charset="-127"/>
-              </a:rPr>
-              <a:t>추가 </a:t>
-            </a:r>
-            <a:r>
-              <a:rPr lang="en-US" altLang="ko-KR" sz="1400" dirty="0">
-                <a:latin typeface="배달의민족 도현" panose="020B0600000101010101" pitchFamily="50" charset="-127"/>
-                <a:ea typeface="배달의민족 도현" panose="020B0600000101010101" pitchFamily="50" charset="-127"/>
-              </a:rPr>
-              <a:t>: </a:t>
-            </a:r>
-            <a:r>
-              <a:rPr lang="ko-KR" altLang="en-US" sz="1400" dirty="0">
-                <a:latin typeface="배달의민족 도현" panose="020B0600000101010101" pitchFamily="50" charset="-127"/>
-                <a:ea typeface="배달의민족 도현" panose="020B0600000101010101" pitchFamily="50" charset="-127"/>
-              </a:rPr>
-              <a:t>상품 등록</a:t>
-            </a:r>
-            <a:endParaRPr lang="en-US" altLang="ko-KR" sz="1400" dirty="0">
-              <a:latin typeface="배달의민족 도현" panose="020B0600000101010101" pitchFamily="50" charset="-127"/>
-              <a:ea typeface="배달의민족 도현" panose="020B0600000101010101" pitchFamily="50" charset="-127"/>
-            </a:endParaRPr>
-          </a:p>
-        </p:txBody>
-      </p:sp>
-      <p:pic>
-        <p:nvPicPr>
-          <p:cNvPr id="4" name="그림 3">
-            <a:extLst>
-              <a:ext uri="{FF2B5EF4-FFF2-40B4-BE49-F238E27FC236}">
-                <a16:creationId xmlns:a16="http://schemas.microsoft.com/office/drawing/2014/main" id="{D252D567-955F-D28D-2007-ACADEBD1F4F7}"/>
-              </a:ext>
-            </a:extLst>
-          </p:cNvPr>
-          <p:cNvPicPr>
-            <a:picLocks noChangeAspect="1"/>
-          </p:cNvPicPr>
-          <p:nvPr/>
-        </p:nvPicPr>
-        <p:blipFill>
-          <a:blip r:embed="rId2">
-            <a:extLst>
-              <a:ext uri="{28A0092B-C50C-407E-A947-70E740481C1C}">
-                <a14:useLocalDpi xmlns:a14="http://schemas.microsoft.com/office/drawing/2010/main" val="0"/>
-              </a:ext>
-            </a:extLst>
-          </a:blip>
-          <a:srcRect/>
-          <a:stretch/>
-        </p:blipFill>
-        <p:spPr>
-          <a:xfrm>
-            <a:off x="518359" y="1893157"/>
-            <a:ext cx="4263886" cy="3821487"/>
-          </a:xfrm>
-          <a:prstGeom prst="rect">
-            <a:avLst/>
-          </a:prstGeom>
-        </p:spPr>
-      </p:pic>
-    </p:spTree>
-    <p:extLst>
-      <p:ext uri="{BB962C8B-B14F-4D97-AF65-F5344CB8AC3E}">
-        <p14:creationId xmlns:p14="http://schemas.microsoft.com/office/powerpoint/2010/main" val="1448264331"/>
+        <p14:creationId xmlns:p14="http://schemas.microsoft.com/office/powerpoint/2010/main" val="4264092231"/>
       </p:ext>
     </p:extLst>
   </p:cSld>
@@ -10102,6 +9961,1173 @@
         <p:cNvPr id="1" name="">
           <a:extLst>
             <a:ext uri="{FF2B5EF4-FFF2-40B4-BE49-F238E27FC236}">
+              <a16:creationId xmlns:a16="http://schemas.microsoft.com/office/drawing/2014/main" id="{9D89C081-3223-F17E-E8F5-47B3507B4A1E}"/>
+            </a:ext>
+          </a:extLst>
+        </p:cNvPr>
+        <p:cNvGrpSpPr/>
+        <p:nvPr/>
+      </p:nvGrpSpPr>
+      <p:grpSpPr>
+        <a:xfrm>
+          <a:off x="0" y="0"/>
+          <a:ext cx="0" cy="0"/>
+          <a:chOff x="0" y="0"/>
+          <a:chExt cx="0" cy="0"/>
+        </a:xfrm>
+      </p:grpSpPr>
+      <p:sp>
+        <p:nvSpPr>
+          <p:cNvPr id="2" name="TextBox 1">
+            <a:extLst>
+              <a:ext uri="{FF2B5EF4-FFF2-40B4-BE49-F238E27FC236}">
+                <a16:creationId xmlns:a16="http://schemas.microsoft.com/office/drawing/2014/main" id="{B6A319F8-5D6F-0212-2811-06C0B4A7D888}"/>
+              </a:ext>
+            </a:extLst>
+          </p:cNvPr>
+          <p:cNvSpPr txBox="1"/>
+          <p:nvPr/>
+        </p:nvSpPr>
+        <p:spPr>
+          <a:xfrm>
+            <a:off x="390906" y="685309"/>
+            <a:ext cx="8366760" cy="1115568"/>
+          </a:xfrm>
+          <a:prstGeom prst="rect">
+            <a:avLst/>
+          </a:prstGeom>
+        </p:spPr>
+        <p:txBody>
+          <a:bodyPr vert="horz" lIns="91440" tIns="45720" rIns="91440" bIns="45720" rtlCol="0" anchor="t">
+            <a:normAutofit/>
+          </a:bodyPr>
+          <a:lstStyle/>
+          <a:p>
+            <a:pPr latinLnBrk="0">
+              <a:spcBef>
+                <a:spcPct val="0"/>
+              </a:spcBef>
+              <a:spcAft>
+                <a:spcPts val="600"/>
+              </a:spcAft>
+            </a:pPr>
+            <a:r>
+              <a:rPr lang="en-US" altLang="ko-KR" sz="4400" b="1" kern="1200" dirty="0">
+                <a:solidFill>
+                  <a:schemeClr val="tx1"/>
+                </a:solidFill>
+                <a:latin typeface="+mj-lt"/>
+                <a:ea typeface="+mj-ea"/>
+                <a:cs typeface="+mj-cs"/>
+              </a:rPr>
+              <a:t>Web</a:t>
+            </a:r>
+          </a:p>
+        </p:txBody>
+      </p:sp>
+      <p:sp>
+        <p:nvSpPr>
+          <p:cNvPr id="8" name="TextBox 7">
+            <a:extLst>
+              <a:ext uri="{FF2B5EF4-FFF2-40B4-BE49-F238E27FC236}">
+                <a16:creationId xmlns:a16="http://schemas.microsoft.com/office/drawing/2014/main" id="{E00170A1-04B1-23F5-357E-672C022B8699}"/>
+              </a:ext>
+            </a:extLst>
+          </p:cNvPr>
+          <p:cNvSpPr txBox="1"/>
+          <p:nvPr/>
+        </p:nvSpPr>
+        <p:spPr>
+          <a:xfrm>
+            <a:off x="5220459" y="1800877"/>
+            <a:ext cx="3532635" cy="4853923"/>
+          </a:xfrm>
+          <a:prstGeom prst="rect">
+            <a:avLst/>
+          </a:prstGeom>
+        </p:spPr>
+        <p:txBody>
+          <a:bodyPr vert="horz" lIns="91440" tIns="45720" rIns="91440" bIns="45720" rtlCol="0">
+            <a:normAutofit/>
+          </a:bodyPr>
+          <a:lstStyle/>
+          <a:p>
+            <a:pPr latinLnBrk="0">
+              <a:spcAft>
+                <a:spcPts val="600"/>
+              </a:spcAft>
+            </a:pPr>
+            <a:r>
+              <a:rPr lang="ko-KR" altLang="en-US" dirty="0">
+                <a:latin typeface="배달의민족 도현" panose="020B0600000101010101" pitchFamily="50" charset="-127"/>
+                <a:ea typeface="배달의민족 도현" panose="020B0600000101010101" pitchFamily="50" charset="-127"/>
+              </a:rPr>
+              <a:t>◎ </a:t>
+            </a:r>
+            <a:r>
+              <a:rPr lang="en-US" altLang="ko-KR" dirty="0">
+                <a:latin typeface="배달의민족 도현" panose="020B0600000101010101" pitchFamily="50" charset="-127"/>
+                <a:ea typeface="배달의민족 도현" panose="020B0600000101010101" pitchFamily="50" charset="-127"/>
+              </a:rPr>
+              <a:t>Web</a:t>
+            </a:r>
+            <a:r>
+              <a:rPr lang="ko-KR" altLang="en-US" dirty="0">
+                <a:latin typeface="배달의민족 도현" panose="020B0600000101010101" pitchFamily="50" charset="-127"/>
+                <a:ea typeface="배달의민족 도현" panose="020B0600000101010101" pitchFamily="50" charset="-127"/>
+              </a:rPr>
+              <a:t> </a:t>
+            </a:r>
+            <a:r>
+              <a:rPr lang="ko-KR" altLang="en-US" dirty="0">
+                <a:solidFill>
+                  <a:srgbClr val="957777"/>
+                </a:solidFill>
+                <a:latin typeface="배달의민족 도현" panose="020B0600000101010101" pitchFamily="50" charset="-127"/>
+                <a:ea typeface="배달의민족 도현" panose="020B0600000101010101" pitchFamily="50" charset="-127"/>
+              </a:rPr>
+              <a:t>상점</a:t>
+            </a:r>
+            <a:endParaRPr lang="en-US" altLang="ko-KR" sz="1400" dirty="0">
+              <a:latin typeface="배달의민족 도현" panose="020B0600000101010101" pitchFamily="50" charset="-127"/>
+              <a:ea typeface="배달의민족 도현" panose="020B0600000101010101" pitchFamily="50" charset="-127"/>
+            </a:endParaRPr>
+          </a:p>
+          <a:p>
+            <a:pPr latinLnBrk="0">
+              <a:spcAft>
+                <a:spcPts val="600"/>
+              </a:spcAft>
+            </a:pPr>
+            <a:r>
+              <a:rPr lang="ko-KR" altLang="en-US" sz="1400" dirty="0">
+                <a:latin typeface="배달의민족 도현" panose="020B0600000101010101" pitchFamily="50" charset="-127"/>
+                <a:ea typeface="배달의민족 도현" panose="020B0600000101010101" pitchFamily="50" charset="-127"/>
+              </a:rPr>
+              <a:t>게임 내 얻은 </a:t>
+            </a:r>
+            <a:r>
+              <a:rPr lang="ko-KR" altLang="en-US" sz="1400" dirty="0">
+                <a:solidFill>
+                  <a:srgbClr val="FEAF00"/>
+                </a:solidFill>
+                <a:latin typeface="배달의민족 도현" panose="020B0600000101010101" pitchFamily="50" charset="-127"/>
+                <a:ea typeface="배달의민족 도현" panose="020B0600000101010101" pitchFamily="50" charset="-127"/>
+              </a:rPr>
+              <a:t>코인</a:t>
+            </a:r>
+            <a:r>
+              <a:rPr lang="ko-KR" altLang="en-US" sz="1400" dirty="0">
+                <a:latin typeface="배달의민족 도현" panose="020B0600000101010101" pitchFamily="50" charset="-127"/>
+                <a:ea typeface="배달의민족 도현" panose="020B0600000101010101" pitchFamily="50" charset="-127"/>
+              </a:rPr>
+              <a:t>으로 아이템 구매</a:t>
+            </a:r>
+            <a:endParaRPr lang="en-US" altLang="ko-KR" sz="1400" dirty="0">
+              <a:latin typeface="배달의민족 도현" panose="020B0600000101010101" pitchFamily="50" charset="-127"/>
+              <a:ea typeface="배달의민족 도현" panose="020B0600000101010101" pitchFamily="50" charset="-127"/>
+            </a:endParaRPr>
+          </a:p>
+          <a:p>
+            <a:pPr latinLnBrk="0">
+              <a:spcAft>
+                <a:spcPts val="600"/>
+              </a:spcAft>
+            </a:pPr>
+            <a:endParaRPr lang="en-US" altLang="ko-KR" sz="1400" dirty="0">
+              <a:latin typeface="배달의민족 도현" panose="020B0600000101010101" pitchFamily="50" charset="-127"/>
+              <a:ea typeface="배달의민족 도현" panose="020B0600000101010101" pitchFamily="50" charset="-127"/>
+            </a:endParaRPr>
+          </a:p>
+          <a:p>
+            <a:pPr indent="-228600" latinLnBrk="0">
+              <a:spcAft>
+                <a:spcPts val="600"/>
+              </a:spcAft>
+              <a:buFont typeface="Arial" panose="020B0604020202020204" pitchFamily="34" charset="0"/>
+              <a:buChar char="•"/>
+            </a:pPr>
+            <a:r>
+              <a:rPr lang="ko-KR" altLang="en-US" sz="1400" dirty="0">
+                <a:latin typeface="배달의민족 도현" panose="020B0600000101010101" pitchFamily="50" charset="-127"/>
+                <a:ea typeface="배달의민족 도현" panose="020B0600000101010101" pitchFamily="50" charset="-127"/>
+              </a:rPr>
+              <a:t>좌측 버튼 </a:t>
+            </a:r>
+            <a:r>
+              <a:rPr lang="en-US" altLang="ko-KR" sz="1400" dirty="0">
+                <a:latin typeface="배달의민족 도현" panose="020B0600000101010101" pitchFamily="50" charset="-127"/>
+                <a:ea typeface="배달의민족 도현" panose="020B0600000101010101" pitchFamily="50" charset="-127"/>
+              </a:rPr>
+              <a:t>: </a:t>
+            </a:r>
+            <a:r>
+              <a:rPr lang="ko-KR" altLang="en-US" sz="1400" dirty="0">
+                <a:latin typeface="배달의민족 도현" panose="020B0600000101010101" pitchFamily="50" charset="-127"/>
+                <a:ea typeface="배달의민족 도현" panose="020B0600000101010101" pitchFamily="50" charset="-127"/>
+              </a:rPr>
+              <a:t>태그</a:t>
+            </a:r>
+            <a:r>
+              <a:rPr lang="en-US" altLang="ko-KR" sz="1400" dirty="0">
+                <a:latin typeface="배달의민족 도현" panose="020B0600000101010101" pitchFamily="50" charset="-127"/>
+                <a:ea typeface="배달의민족 도현" panose="020B0600000101010101" pitchFamily="50" charset="-127"/>
+              </a:rPr>
+              <a:t> </a:t>
+            </a:r>
+            <a:r>
+              <a:rPr lang="ko-KR" altLang="en-US" sz="1400" dirty="0">
+                <a:latin typeface="배달의민족 도현" panose="020B0600000101010101" pitchFamily="50" charset="-127"/>
+                <a:ea typeface="배달의민족 도현" panose="020B0600000101010101" pitchFamily="50" charset="-127"/>
+              </a:rPr>
+              <a:t>클릭 시 해당 게임의</a:t>
+            </a:r>
+            <a:endParaRPr lang="en-US" altLang="ko-KR" sz="1400" dirty="0">
+              <a:latin typeface="배달의민족 도현" panose="020B0600000101010101" pitchFamily="50" charset="-127"/>
+              <a:ea typeface="배달의민족 도현" panose="020B0600000101010101" pitchFamily="50" charset="-127"/>
+            </a:endParaRPr>
+          </a:p>
+          <a:p>
+            <a:pPr latinLnBrk="0">
+              <a:spcAft>
+                <a:spcPts val="600"/>
+              </a:spcAft>
+            </a:pPr>
+            <a:r>
+              <a:rPr lang="en-US" altLang="ko-KR" sz="1400" dirty="0">
+                <a:solidFill>
+                  <a:schemeClr val="accent3">
+                    <a:lumMod val="60000"/>
+                    <a:lumOff val="40000"/>
+                  </a:schemeClr>
+                </a:solidFill>
+                <a:latin typeface="배달의민족 도현" panose="020B0600000101010101" pitchFamily="50" charset="-127"/>
+                <a:ea typeface="배달의민족 도현" panose="020B0600000101010101" pitchFamily="50" charset="-127"/>
+              </a:rPr>
+              <a:t>    </a:t>
+            </a:r>
+            <a:r>
+              <a:rPr lang="ko-KR" altLang="en-US" sz="1400" dirty="0">
+                <a:solidFill>
+                  <a:schemeClr val="accent3">
+                    <a:lumMod val="60000"/>
+                    <a:lumOff val="40000"/>
+                  </a:schemeClr>
+                </a:solidFill>
+                <a:latin typeface="배달의민족 도현" panose="020B0600000101010101" pitchFamily="50" charset="-127"/>
+                <a:ea typeface="배달의민족 도현" panose="020B0600000101010101" pitchFamily="50" charset="-127"/>
+              </a:rPr>
+              <a:t>아이템</a:t>
+            </a:r>
+            <a:r>
+              <a:rPr lang="en-US" altLang="ko-KR" sz="1400" dirty="0">
+                <a:latin typeface="배달의민족 도현" panose="020B0600000101010101" pitchFamily="50" charset="-127"/>
+                <a:ea typeface="배달의민족 도현" panose="020B0600000101010101" pitchFamily="50" charset="-127"/>
+              </a:rPr>
+              <a:t> </a:t>
+            </a:r>
+            <a:r>
+              <a:rPr lang="ko-KR" altLang="en-US" sz="1400" dirty="0">
+                <a:latin typeface="배달의민족 도현" panose="020B0600000101010101" pitchFamily="50" charset="-127"/>
+                <a:ea typeface="배달의민족 도현" panose="020B0600000101010101" pitchFamily="50" charset="-127"/>
+              </a:rPr>
+              <a:t>목록 화면 표시</a:t>
+            </a:r>
+            <a:endParaRPr lang="en-US" altLang="ko-KR" sz="1400" dirty="0">
+              <a:latin typeface="배달의민족 도현" panose="020B0600000101010101" pitchFamily="50" charset="-127"/>
+              <a:ea typeface="배달의민족 도현" panose="020B0600000101010101" pitchFamily="50" charset="-127"/>
+            </a:endParaRPr>
+          </a:p>
+          <a:p>
+            <a:pPr indent="-228600" latinLnBrk="0">
+              <a:spcAft>
+                <a:spcPts val="600"/>
+              </a:spcAft>
+              <a:buFont typeface="Arial" panose="020B0604020202020204" pitchFamily="34" charset="0"/>
+              <a:buChar char="•"/>
+            </a:pPr>
+            <a:endParaRPr lang="en-US" altLang="ko-KR" sz="1400" dirty="0">
+              <a:latin typeface="배달의민족 도현" panose="020B0600000101010101" pitchFamily="50" charset="-127"/>
+              <a:ea typeface="배달의민족 도현" panose="020B0600000101010101" pitchFamily="50" charset="-127"/>
+            </a:endParaRPr>
+          </a:p>
+          <a:p>
+            <a:pPr indent="-228600" latinLnBrk="0">
+              <a:spcAft>
+                <a:spcPts val="600"/>
+              </a:spcAft>
+              <a:buFont typeface="Arial" panose="020B0604020202020204" pitchFamily="34" charset="0"/>
+              <a:buChar char="•"/>
+            </a:pPr>
+            <a:r>
+              <a:rPr lang="ko-KR" altLang="en-US" sz="1400" dirty="0">
+                <a:latin typeface="배달의민족 도현" panose="020B0600000101010101" pitchFamily="50" charset="-127"/>
+                <a:ea typeface="배달의민족 도현" panose="020B0600000101010101" pitchFamily="50" charset="-127"/>
+              </a:rPr>
+              <a:t>상품 </a:t>
+            </a:r>
+            <a:r>
+              <a:rPr lang="en-US" altLang="ko-KR" sz="1400" dirty="0">
+                <a:latin typeface="배달의민족 도현" panose="020B0600000101010101" pitchFamily="50" charset="-127"/>
+                <a:ea typeface="배달의민족 도현" panose="020B0600000101010101" pitchFamily="50" charset="-127"/>
+              </a:rPr>
+              <a:t>: </a:t>
+            </a:r>
+            <a:r>
+              <a:rPr lang="ko-KR" altLang="en-US" sz="1400" dirty="0">
+                <a:solidFill>
+                  <a:schemeClr val="accent3">
+                    <a:lumMod val="60000"/>
+                    <a:lumOff val="40000"/>
+                  </a:schemeClr>
+                </a:solidFill>
+                <a:latin typeface="배달의민족 도현" panose="020B0600000101010101" pitchFamily="50" charset="-127"/>
+                <a:ea typeface="배달의민족 도현" panose="020B0600000101010101" pitchFamily="50" charset="-127"/>
+              </a:rPr>
+              <a:t>아이템</a:t>
+            </a:r>
+            <a:r>
+              <a:rPr lang="ko-KR" altLang="en-US" sz="1400" dirty="0">
+                <a:latin typeface="배달의민족 도현" panose="020B0600000101010101" pitchFamily="50" charset="-127"/>
+                <a:ea typeface="배달의민족 도현" panose="020B0600000101010101" pitchFamily="50" charset="-127"/>
+              </a:rPr>
+              <a:t> 이미지 표시</a:t>
+            </a:r>
+            <a:endParaRPr lang="en-US" altLang="ko-KR" sz="1400" dirty="0">
+              <a:latin typeface="배달의민족 도현" panose="020B0600000101010101" pitchFamily="50" charset="-127"/>
+              <a:ea typeface="배달의민족 도현" panose="020B0600000101010101" pitchFamily="50" charset="-127"/>
+            </a:endParaRPr>
+          </a:p>
+          <a:p>
+            <a:pPr indent="-228600" latinLnBrk="0">
+              <a:spcAft>
+                <a:spcPts val="600"/>
+              </a:spcAft>
+              <a:buFont typeface="Arial" panose="020B0604020202020204" pitchFamily="34" charset="0"/>
+              <a:buChar char="•"/>
+            </a:pPr>
+            <a:endParaRPr lang="en-US" altLang="ko-KR" sz="1400" dirty="0">
+              <a:latin typeface="배달의민족 도현" panose="020B0600000101010101" pitchFamily="50" charset="-127"/>
+              <a:ea typeface="배달의민족 도현" panose="020B0600000101010101" pitchFamily="50" charset="-127"/>
+            </a:endParaRPr>
+          </a:p>
+          <a:p>
+            <a:pPr indent="-228600" latinLnBrk="0">
+              <a:spcAft>
+                <a:spcPts val="600"/>
+              </a:spcAft>
+              <a:buFont typeface="Arial" panose="020B0604020202020204" pitchFamily="34" charset="0"/>
+              <a:buChar char="•"/>
+            </a:pPr>
+            <a:r>
+              <a:rPr lang="en-US" altLang="ko-KR" sz="1400" dirty="0">
+                <a:latin typeface="배달의민족 도현" panose="020B0600000101010101" pitchFamily="50" charset="-127"/>
+                <a:ea typeface="배달의민족 도현" panose="020B0600000101010101" pitchFamily="50" charset="-127"/>
+              </a:rPr>
+              <a:t>Buy </a:t>
+            </a:r>
+            <a:r>
+              <a:rPr lang="ko-KR" altLang="en-US" sz="1400" dirty="0">
+                <a:latin typeface="배달의민족 도현" panose="020B0600000101010101" pitchFamily="50" charset="-127"/>
+                <a:ea typeface="배달의민족 도현" panose="020B0600000101010101" pitchFamily="50" charset="-127"/>
+              </a:rPr>
+              <a:t>버튼 </a:t>
+            </a:r>
+            <a:r>
+              <a:rPr lang="en-US" altLang="ko-KR" sz="1400" dirty="0">
+                <a:latin typeface="배달의민족 도현" panose="020B0600000101010101" pitchFamily="50" charset="-127"/>
+                <a:ea typeface="배달의민족 도현" panose="020B0600000101010101" pitchFamily="50" charset="-127"/>
+              </a:rPr>
+              <a:t>: </a:t>
+            </a:r>
+            <a:r>
+              <a:rPr lang="ko-KR" altLang="en-US" sz="1400" dirty="0">
+                <a:latin typeface="배달의민족 도현" panose="020B0600000101010101" pitchFamily="50" charset="-127"/>
+                <a:ea typeface="배달의민족 도현" panose="020B0600000101010101" pitchFamily="50" charset="-127"/>
+              </a:rPr>
+              <a:t>가격표시 및 클릭 시 구매</a:t>
+            </a:r>
+            <a:br>
+              <a:rPr lang="en-US" altLang="ko-KR" sz="1400" dirty="0">
+                <a:latin typeface="배달의민족 도현" panose="020B0600000101010101" pitchFamily="50" charset="-127"/>
+                <a:ea typeface="배달의민족 도현" panose="020B0600000101010101" pitchFamily="50" charset="-127"/>
+              </a:rPr>
+            </a:br>
+            <a:r>
+              <a:rPr lang="en-US" altLang="ko-KR" sz="1400" dirty="0">
+                <a:latin typeface="배달의민족 도현" panose="020B0600000101010101" pitchFamily="50" charset="-127"/>
+                <a:ea typeface="배달의민족 도현" panose="020B0600000101010101" pitchFamily="50" charset="-127"/>
+              </a:rPr>
+              <a:t>    </a:t>
+            </a:r>
+            <a:r>
+              <a:rPr lang="ko-KR" altLang="en-US" sz="1400" dirty="0">
+                <a:latin typeface="배달의민족 도현" panose="020B0600000101010101" pitchFamily="50" charset="-127"/>
+                <a:ea typeface="배달의민족 도현" panose="020B0600000101010101" pitchFamily="50" charset="-127"/>
+              </a:rPr>
+              <a:t>메시지 팝업</a:t>
+            </a:r>
+            <a:r>
+              <a:rPr lang="en-US" altLang="ko-KR" sz="1400" dirty="0">
+                <a:latin typeface="배달의민족 도현" panose="020B0600000101010101" pitchFamily="50" charset="-127"/>
+                <a:ea typeface="배달의민족 도현" panose="020B0600000101010101" pitchFamily="50" charset="-127"/>
+              </a:rPr>
+              <a:t>, </a:t>
+            </a:r>
+            <a:r>
+              <a:rPr lang="ko-KR" altLang="en-US" sz="1400" dirty="0">
+                <a:latin typeface="배달의민족 도현" panose="020B0600000101010101" pitchFamily="50" charset="-127"/>
+                <a:ea typeface="배달의민족 도현" panose="020B0600000101010101" pitchFamily="50" charset="-127"/>
+              </a:rPr>
+              <a:t>구매 </a:t>
+            </a:r>
+            <a:endParaRPr lang="en-US" altLang="ko-KR" sz="1400" dirty="0">
+              <a:latin typeface="배달의민족 도현" panose="020B0600000101010101" pitchFamily="50" charset="-127"/>
+              <a:ea typeface="배달의민족 도현" panose="020B0600000101010101" pitchFamily="50" charset="-127"/>
+            </a:endParaRPr>
+          </a:p>
+          <a:p>
+            <a:pPr indent="-228600" latinLnBrk="0">
+              <a:spcAft>
+                <a:spcPts val="600"/>
+              </a:spcAft>
+              <a:buFont typeface="Arial" panose="020B0604020202020204" pitchFamily="34" charset="0"/>
+              <a:buChar char="•"/>
+            </a:pPr>
+            <a:endParaRPr lang="en-US" altLang="ko-KR" sz="1400" dirty="0">
+              <a:latin typeface="배달의민족 도현" panose="020B0600000101010101" pitchFamily="50" charset="-127"/>
+              <a:ea typeface="배달의민족 도현" panose="020B0600000101010101" pitchFamily="50" charset="-127"/>
+            </a:endParaRPr>
+          </a:p>
+          <a:p>
+            <a:pPr indent="-228600" latinLnBrk="0">
+              <a:spcAft>
+                <a:spcPts val="600"/>
+              </a:spcAft>
+              <a:buFont typeface="Arial" panose="020B0604020202020204" pitchFamily="34" charset="0"/>
+              <a:buChar char="•"/>
+            </a:pPr>
+            <a:r>
+              <a:rPr lang="ko-KR" altLang="en-US" sz="1400" dirty="0">
+                <a:solidFill>
+                  <a:schemeClr val="tx1">
+                    <a:lumMod val="65000"/>
+                    <a:lumOff val="35000"/>
+                  </a:schemeClr>
+                </a:solidFill>
+                <a:latin typeface="배달의민족 도현" panose="020B0600000101010101" pitchFamily="50" charset="-127"/>
+                <a:ea typeface="배달의민족 도현" panose="020B0600000101010101" pitchFamily="50" charset="-127"/>
+              </a:rPr>
+              <a:t>등록</a:t>
+            </a:r>
+            <a:r>
+              <a:rPr lang="ko-KR" altLang="en-US" sz="1400" dirty="0">
+                <a:latin typeface="배달의민족 도현" panose="020B0600000101010101" pitchFamily="50" charset="-127"/>
+                <a:ea typeface="배달의민족 도현" panose="020B0600000101010101" pitchFamily="50" charset="-127"/>
+              </a:rPr>
+              <a:t> </a:t>
+            </a:r>
+            <a:r>
+              <a:rPr lang="en-US" altLang="ko-KR" sz="1400" dirty="0">
+                <a:latin typeface="배달의민족 도현" panose="020B0600000101010101" pitchFamily="50" charset="-127"/>
+                <a:ea typeface="배달의민족 도현" panose="020B0600000101010101" pitchFamily="50" charset="-127"/>
+              </a:rPr>
+              <a:t>: </a:t>
+            </a:r>
+            <a:r>
+              <a:rPr lang="ko-KR" altLang="en-US" sz="1400" dirty="0">
+                <a:latin typeface="배달의민족 도현" panose="020B0600000101010101" pitchFamily="50" charset="-127"/>
+                <a:ea typeface="배달의민족 도현" panose="020B0600000101010101" pitchFamily="50" charset="-127"/>
+              </a:rPr>
+              <a:t>관리자 계정에만 표시되는</a:t>
+            </a:r>
+            <a:endParaRPr lang="en-US" altLang="ko-KR" sz="1400" dirty="0">
+              <a:latin typeface="배달의민족 도현" panose="020B0600000101010101" pitchFamily="50" charset="-127"/>
+              <a:ea typeface="배달의민족 도현" panose="020B0600000101010101" pitchFamily="50" charset="-127"/>
+            </a:endParaRPr>
+          </a:p>
+          <a:p>
+            <a:pPr latinLnBrk="0">
+              <a:spcAft>
+                <a:spcPts val="600"/>
+              </a:spcAft>
+            </a:pPr>
+            <a:r>
+              <a:rPr lang="en-US" altLang="ko-KR" sz="1400" dirty="0">
+                <a:latin typeface="배달의민족 도현" panose="020B0600000101010101" pitchFamily="50" charset="-127"/>
+                <a:ea typeface="배달의민족 도현" panose="020B0600000101010101" pitchFamily="50" charset="-127"/>
+              </a:rPr>
+              <a:t>    </a:t>
+            </a:r>
+            <a:r>
+              <a:rPr lang="ko-KR" altLang="en-US" sz="1400" dirty="0">
+                <a:solidFill>
+                  <a:srgbClr val="957777"/>
+                </a:solidFill>
+                <a:latin typeface="배달의민족 도현" panose="020B0600000101010101" pitchFamily="50" charset="-127"/>
+                <a:ea typeface="배달의민족 도현" panose="020B0600000101010101" pitchFamily="50" charset="-127"/>
+              </a:rPr>
+              <a:t>상품</a:t>
+            </a:r>
+            <a:r>
+              <a:rPr lang="ko-KR" altLang="en-US" sz="1400" dirty="0">
+                <a:latin typeface="배달의민족 도현" panose="020B0600000101010101" pitchFamily="50" charset="-127"/>
+                <a:ea typeface="배달의민족 도현" panose="020B0600000101010101" pitchFamily="50" charset="-127"/>
+              </a:rPr>
+              <a:t> 등록 페이지 이동 버튼</a:t>
+            </a:r>
+            <a:endParaRPr lang="en-US" altLang="ko-KR" sz="1400" dirty="0">
+              <a:latin typeface="배달의민족 도현" panose="020B0600000101010101" pitchFamily="50" charset="-127"/>
+              <a:ea typeface="배달의민족 도현" panose="020B0600000101010101" pitchFamily="50" charset="-127"/>
+            </a:endParaRPr>
+          </a:p>
+        </p:txBody>
+      </p:sp>
+      <p:pic>
+        <p:nvPicPr>
+          <p:cNvPr id="4" name="그림 3">
+            <a:extLst>
+              <a:ext uri="{FF2B5EF4-FFF2-40B4-BE49-F238E27FC236}">
+                <a16:creationId xmlns:a16="http://schemas.microsoft.com/office/drawing/2014/main" id="{1389C8C8-FFB8-5254-4A02-56FA18FDFDE7}"/>
+              </a:ext>
+            </a:extLst>
+          </p:cNvPr>
+          <p:cNvPicPr>
+            <a:picLocks noChangeAspect="1"/>
+          </p:cNvPicPr>
+          <p:nvPr/>
+        </p:nvPicPr>
+        <p:blipFill>
+          <a:blip r:embed="rId2">
+            <a:extLst>
+              <a:ext uri="{28A0092B-C50C-407E-A947-70E740481C1C}">
+                <a14:useLocalDpi xmlns:a14="http://schemas.microsoft.com/office/drawing/2010/main" val="0"/>
+              </a:ext>
+            </a:extLst>
+          </a:blip>
+          <a:srcRect/>
+          <a:stretch/>
+        </p:blipFill>
+        <p:spPr>
+          <a:xfrm>
+            <a:off x="518359" y="1874290"/>
+            <a:ext cx="4263886" cy="3859222"/>
+          </a:xfrm>
+          <a:prstGeom prst="rect">
+            <a:avLst/>
+          </a:prstGeom>
+        </p:spPr>
+      </p:pic>
+    </p:spTree>
+    <p:extLst>
+      <p:ext uri="{BB962C8B-B14F-4D97-AF65-F5344CB8AC3E}">
+        <p14:creationId xmlns:p14="http://schemas.microsoft.com/office/powerpoint/2010/main" val="3559561635"/>
+      </p:ext>
+    </p:extLst>
+  </p:cSld>
+  <p:clrMapOvr>
+    <a:masterClrMapping/>
+  </p:clrMapOvr>
+</p:sld>
+</file>
+
+<file path=ppt/slides/slide21.xml><?xml version="1.0" encoding="utf-8"?>
+<p:sld xmlns:a="http://schemas.openxmlformats.org/drawingml/2006/main" xmlns:r="http://schemas.openxmlformats.org/officeDocument/2006/relationships" xmlns:p="http://schemas.openxmlformats.org/presentationml/2006/main">
+  <p:cSld>
+    <p:spTree>
+      <p:nvGrpSpPr>
+        <p:cNvPr id="1" name="">
+          <a:extLst>
+            <a:ext uri="{FF2B5EF4-FFF2-40B4-BE49-F238E27FC236}">
+              <a16:creationId xmlns:a16="http://schemas.microsoft.com/office/drawing/2014/main" id="{0D4945D8-3909-323E-EDA7-06A70F409B81}"/>
+            </a:ext>
+          </a:extLst>
+        </p:cNvPr>
+        <p:cNvGrpSpPr/>
+        <p:nvPr/>
+      </p:nvGrpSpPr>
+      <p:grpSpPr>
+        <a:xfrm>
+          <a:off x="0" y="0"/>
+          <a:ext cx="0" cy="0"/>
+          <a:chOff x="0" y="0"/>
+          <a:chExt cx="0" cy="0"/>
+        </a:xfrm>
+      </p:grpSpPr>
+      <p:sp>
+        <p:nvSpPr>
+          <p:cNvPr id="2" name="TextBox 1">
+            <a:extLst>
+              <a:ext uri="{FF2B5EF4-FFF2-40B4-BE49-F238E27FC236}">
+                <a16:creationId xmlns:a16="http://schemas.microsoft.com/office/drawing/2014/main" id="{F9D12A38-EEEA-5865-B4C7-72980D35C1B3}"/>
+              </a:ext>
+            </a:extLst>
+          </p:cNvPr>
+          <p:cNvSpPr txBox="1"/>
+          <p:nvPr/>
+        </p:nvSpPr>
+        <p:spPr>
+          <a:xfrm>
+            <a:off x="390906" y="685309"/>
+            <a:ext cx="8366760" cy="1115568"/>
+          </a:xfrm>
+          <a:prstGeom prst="rect">
+            <a:avLst/>
+          </a:prstGeom>
+        </p:spPr>
+        <p:txBody>
+          <a:bodyPr vert="horz" lIns="91440" tIns="45720" rIns="91440" bIns="45720" rtlCol="0" anchor="t">
+            <a:normAutofit/>
+          </a:bodyPr>
+          <a:lstStyle/>
+          <a:p>
+            <a:pPr latinLnBrk="0">
+              <a:spcBef>
+                <a:spcPct val="0"/>
+              </a:spcBef>
+              <a:spcAft>
+                <a:spcPts val="600"/>
+              </a:spcAft>
+            </a:pPr>
+            <a:r>
+              <a:rPr lang="en-US" altLang="ko-KR" sz="4400" b="1" kern="1200" dirty="0">
+                <a:solidFill>
+                  <a:schemeClr val="tx1"/>
+                </a:solidFill>
+                <a:latin typeface="+mj-lt"/>
+                <a:ea typeface="+mj-ea"/>
+                <a:cs typeface="+mj-cs"/>
+              </a:rPr>
+              <a:t>Web</a:t>
+            </a:r>
+          </a:p>
+        </p:txBody>
+      </p:sp>
+      <p:sp>
+        <p:nvSpPr>
+          <p:cNvPr id="8" name="TextBox 7">
+            <a:extLst>
+              <a:ext uri="{FF2B5EF4-FFF2-40B4-BE49-F238E27FC236}">
+                <a16:creationId xmlns:a16="http://schemas.microsoft.com/office/drawing/2014/main" id="{84ED2AB4-ACDE-5B77-1380-25C1A188D6D7}"/>
+              </a:ext>
+            </a:extLst>
+          </p:cNvPr>
+          <p:cNvSpPr txBox="1"/>
+          <p:nvPr/>
+        </p:nvSpPr>
+        <p:spPr>
+          <a:xfrm>
+            <a:off x="5220459" y="1800877"/>
+            <a:ext cx="3685034" cy="4853923"/>
+          </a:xfrm>
+          <a:prstGeom prst="rect">
+            <a:avLst/>
+          </a:prstGeom>
+        </p:spPr>
+        <p:txBody>
+          <a:bodyPr vert="horz" lIns="91440" tIns="45720" rIns="91440" bIns="45720" rtlCol="0">
+            <a:normAutofit/>
+          </a:bodyPr>
+          <a:lstStyle/>
+          <a:p>
+            <a:pPr latinLnBrk="0">
+              <a:spcAft>
+                <a:spcPts val="600"/>
+              </a:spcAft>
+            </a:pPr>
+            <a:r>
+              <a:rPr lang="ko-KR" altLang="en-US" dirty="0">
+                <a:latin typeface="배달의민족 도현" panose="020B0600000101010101" pitchFamily="50" charset="-127"/>
+                <a:ea typeface="배달의민족 도현" panose="020B0600000101010101" pitchFamily="50" charset="-127"/>
+              </a:rPr>
+              <a:t>◎ </a:t>
+            </a:r>
+            <a:r>
+              <a:rPr lang="ko-KR" altLang="en-US" dirty="0">
+                <a:solidFill>
+                  <a:srgbClr val="957777"/>
+                </a:solidFill>
+                <a:latin typeface="배달의민족 도현" panose="020B0600000101010101" pitchFamily="50" charset="-127"/>
+                <a:ea typeface="배달의민족 도현" panose="020B0600000101010101" pitchFamily="50" charset="-127"/>
+              </a:rPr>
+              <a:t>상품</a:t>
+            </a:r>
+            <a:r>
+              <a:rPr lang="ko-KR" altLang="en-US" dirty="0">
+                <a:latin typeface="배달의민족 도현" panose="020B0600000101010101" pitchFamily="50" charset="-127"/>
+                <a:ea typeface="배달의민족 도현" panose="020B0600000101010101" pitchFamily="50" charset="-127"/>
+              </a:rPr>
+              <a:t> 등록 페이지</a:t>
+            </a:r>
+            <a:endParaRPr lang="en-US" altLang="ko-KR" sz="800" dirty="0">
+              <a:latin typeface="배달의민족 도현" panose="020B0600000101010101" pitchFamily="50" charset="-127"/>
+              <a:ea typeface="배달의민족 도현" panose="020B0600000101010101" pitchFamily="50" charset="-127"/>
+            </a:endParaRPr>
+          </a:p>
+          <a:p>
+            <a:pPr latinLnBrk="0">
+              <a:spcAft>
+                <a:spcPts val="600"/>
+              </a:spcAft>
+            </a:pPr>
+            <a:r>
+              <a:rPr lang="ko-KR" altLang="en-US" sz="1400" dirty="0">
+                <a:latin typeface="배달의민족 도현" panose="020B0600000101010101" pitchFamily="50" charset="-127"/>
+                <a:ea typeface="배달의민족 도현" panose="020B0600000101010101" pitchFamily="50" charset="-127"/>
+              </a:rPr>
+              <a:t>관리자 상품 등록 페이지</a:t>
+            </a:r>
+            <a:endParaRPr lang="en-US" altLang="ko-KR" sz="1400" dirty="0">
+              <a:latin typeface="배달의민족 도현" panose="020B0600000101010101" pitchFamily="50" charset="-127"/>
+              <a:ea typeface="배달의민족 도현" panose="020B0600000101010101" pitchFamily="50" charset="-127"/>
+            </a:endParaRPr>
+          </a:p>
+          <a:p>
+            <a:pPr latinLnBrk="0">
+              <a:spcAft>
+                <a:spcPts val="600"/>
+              </a:spcAft>
+            </a:pPr>
+            <a:endParaRPr lang="en-US" altLang="ko-KR" sz="800" dirty="0">
+              <a:latin typeface="배달의민족 도현" panose="020B0600000101010101" pitchFamily="50" charset="-127"/>
+              <a:ea typeface="배달의민족 도현" panose="020B0600000101010101" pitchFamily="50" charset="-127"/>
+            </a:endParaRPr>
+          </a:p>
+          <a:p>
+            <a:pPr indent="-228600" latinLnBrk="0">
+              <a:spcAft>
+                <a:spcPts val="600"/>
+              </a:spcAft>
+              <a:buFont typeface="Arial" panose="020B0604020202020204" pitchFamily="34" charset="0"/>
+              <a:buChar char="•"/>
+            </a:pPr>
+            <a:r>
+              <a:rPr lang="en-US" altLang="ko-KR" sz="1400" dirty="0">
+                <a:latin typeface="배달의민족 도현" panose="020B0600000101010101" pitchFamily="50" charset="-127"/>
+                <a:ea typeface="배달의민족 도현" panose="020B0600000101010101" pitchFamily="50" charset="-127"/>
+              </a:rPr>
+              <a:t>Game</a:t>
+            </a:r>
+            <a:r>
+              <a:rPr lang="ko-KR" altLang="en-US" sz="1400" dirty="0">
+                <a:latin typeface="배달의민족 도현" panose="020B0600000101010101" pitchFamily="50" charset="-127"/>
+                <a:ea typeface="배달의민족 도현" panose="020B0600000101010101" pitchFamily="50" charset="-127"/>
+              </a:rPr>
+              <a:t> </a:t>
+            </a:r>
+            <a:r>
+              <a:rPr lang="en-US" altLang="ko-KR" sz="1400" dirty="0">
+                <a:latin typeface="배달의민족 도현" panose="020B0600000101010101" pitchFamily="50" charset="-127"/>
+                <a:ea typeface="배달의민족 도현" panose="020B0600000101010101" pitchFamily="50" charset="-127"/>
+              </a:rPr>
+              <a:t>: </a:t>
+            </a:r>
+            <a:r>
+              <a:rPr lang="ko-KR" altLang="en-US" sz="1400" dirty="0">
+                <a:latin typeface="배달의민족 도현" panose="020B0600000101010101" pitchFamily="50" charset="-127"/>
+                <a:ea typeface="배달의민족 도현" panose="020B0600000101010101" pitchFamily="50" charset="-127"/>
+              </a:rPr>
+              <a:t>어느 게임의 상품인지 설정</a:t>
+            </a:r>
+            <a:endParaRPr lang="en-US" altLang="ko-KR" sz="1400" dirty="0">
+              <a:latin typeface="배달의민족 도현" panose="020B0600000101010101" pitchFamily="50" charset="-127"/>
+              <a:ea typeface="배달의민족 도현" panose="020B0600000101010101" pitchFamily="50" charset="-127"/>
+            </a:endParaRPr>
+          </a:p>
+          <a:p>
+            <a:pPr latinLnBrk="0">
+              <a:spcAft>
+                <a:spcPts val="600"/>
+              </a:spcAft>
+            </a:pPr>
+            <a:endParaRPr lang="en-US" altLang="ko-KR" sz="800" dirty="0">
+              <a:latin typeface="배달의민족 도현" panose="020B0600000101010101" pitchFamily="50" charset="-127"/>
+              <a:ea typeface="배달의민족 도현" panose="020B0600000101010101" pitchFamily="50" charset="-127"/>
+            </a:endParaRPr>
+          </a:p>
+          <a:p>
+            <a:pPr indent="-228600" latinLnBrk="0">
+              <a:spcAft>
+                <a:spcPts val="600"/>
+              </a:spcAft>
+              <a:buFont typeface="Arial" panose="020B0604020202020204" pitchFamily="34" charset="0"/>
+              <a:buChar char="•"/>
+            </a:pPr>
+            <a:r>
+              <a:rPr lang="en-US" altLang="ko-KR" sz="1400" dirty="0">
+                <a:latin typeface="배달의민족 도현" panose="020B0600000101010101" pitchFamily="50" charset="-127"/>
+                <a:ea typeface="배달의민족 도현" panose="020B0600000101010101" pitchFamily="50" charset="-127"/>
+              </a:rPr>
+              <a:t>Type : </a:t>
+            </a:r>
+            <a:r>
+              <a:rPr lang="ko-KR" altLang="en-US" sz="1400" dirty="0">
+                <a:latin typeface="배달의민족 도현" panose="020B0600000101010101" pitchFamily="50" charset="-127"/>
+                <a:ea typeface="배달의민족 도현" panose="020B0600000101010101" pitchFamily="50" charset="-127"/>
+              </a:rPr>
+              <a:t>아이템의 타입 </a:t>
+            </a:r>
+            <a:r>
+              <a:rPr lang="en-US" altLang="ko-KR" sz="1400" dirty="0">
+                <a:latin typeface="배달의민족 도현" panose="020B0600000101010101" pitchFamily="50" charset="-127"/>
+                <a:ea typeface="배달의민족 도현" panose="020B0600000101010101" pitchFamily="50" charset="-127"/>
+              </a:rPr>
+              <a:t>(</a:t>
+            </a:r>
+            <a:r>
+              <a:rPr lang="ko-KR" altLang="en-US" sz="1400" dirty="0">
+                <a:latin typeface="배달의민족 도현" panose="020B0600000101010101" pitchFamily="50" charset="-127"/>
+                <a:ea typeface="배달의민족 도현" panose="020B0600000101010101" pitchFamily="50" charset="-127"/>
+              </a:rPr>
+              <a:t>치장형</a:t>
+            </a:r>
+            <a:r>
+              <a:rPr lang="en-US" altLang="ko-KR" sz="1400" dirty="0">
+                <a:latin typeface="배달의민족 도현" panose="020B0600000101010101" pitchFamily="50" charset="-127"/>
+                <a:ea typeface="배달의민족 도현" panose="020B0600000101010101" pitchFamily="50" charset="-127"/>
+              </a:rPr>
+              <a:t>, </a:t>
+            </a:r>
+            <a:r>
+              <a:rPr lang="ko-KR" altLang="en-US" sz="1400" dirty="0">
+                <a:latin typeface="배달의민족 도현" panose="020B0600000101010101" pitchFamily="50" charset="-127"/>
+                <a:ea typeface="배달의민족 도현" panose="020B0600000101010101" pitchFamily="50" charset="-127"/>
+              </a:rPr>
+              <a:t>기능형</a:t>
+            </a:r>
+            <a:r>
+              <a:rPr lang="en-US" altLang="ko-KR" sz="1400" dirty="0">
+                <a:latin typeface="배달의민족 도현" panose="020B0600000101010101" pitchFamily="50" charset="-127"/>
+                <a:ea typeface="배달의민족 도현" panose="020B0600000101010101" pitchFamily="50" charset="-127"/>
+              </a:rPr>
+              <a:t>)</a:t>
+            </a:r>
+          </a:p>
+          <a:p>
+            <a:pPr indent="-228600" latinLnBrk="0">
+              <a:spcAft>
+                <a:spcPts val="600"/>
+              </a:spcAft>
+              <a:buFont typeface="Arial" panose="020B0604020202020204" pitchFamily="34" charset="0"/>
+              <a:buChar char="•"/>
+            </a:pPr>
+            <a:endParaRPr lang="en-US" altLang="ko-KR" sz="800" dirty="0">
+              <a:latin typeface="배달의민족 도현" panose="020B0600000101010101" pitchFamily="50" charset="-127"/>
+              <a:ea typeface="배달의민족 도현" panose="020B0600000101010101" pitchFamily="50" charset="-127"/>
+            </a:endParaRPr>
+          </a:p>
+          <a:p>
+            <a:pPr indent="-228600" latinLnBrk="0">
+              <a:spcAft>
+                <a:spcPts val="600"/>
+              </a:spcAft>
+              <a:buFont typeface="Arial" panose="020B0604020202020204" pitchFamily="34" charset="0"/>
+              <a:buChar char="•"/>
+            </a:pPr>
+            <a:r>
+              <a:rPr lang="en-US" altLang="ko-KR" sz="1400" dirty="0">
+                <a:solidFill>
+                  <a:srgbClr val="957777"/>
+                </a:solidFill>
+                <a:latin typeface="배달의민족 도현" panose="020B0600000101010101" pitchFamily="50" charset="-127"/>
+                <a:ea typeface="배달의민족 도현" panose="020B0600000101010101" pitchFamily="50" charset="-127"/>
+              </a:rPr>
+              <a:t>Name</a:t>
+            </a:r>
+            <a:r>
+              <a:rPr lang="ko-KR" altLang="en-US" sz="1400" dirty="0">
+                <a:latin typeface="배달의민족 도현" panose="020B0600000101010101" pitchFamily="50" charset="-127"/>
+                <a:ea typeface="배달의민족 도현" panose="020B0600000101010101" pitchFamily="50" charset="-127"/>
+              </a:rPr>
+              <a:t> </a:t>
+            </a:r>
+            <a:r>
+              <a:rPr lang="en-US" altLang="ko-KR" sz="1400" dirty="0">
+                <a:latin typeface="배달의민족 도현" panose="020B0600000101010101" pitchFamily="50" charset="-127"/>
+                <a:ea typeface="배달의민족 도현" panose="020B0600000101010101" pitchFamily="50" charset="-127"/>
+              </a:rPr>
+              <a:t>: </a:t>
+            </a:r>
+            <a:r>
+              <a:rPr lang="ko-KR" altLang="en-US" sz="1400" dirty="0">
+                <a:latin typeface="배달의민족 도현" panose="020B0600000101010101" pitchFamily="50" charset="-127"/>
+                <a:ea typeface="배달의민족 도현" panose="020B0600000101010101" pitchFamily="50" charset="-127"/>
+              </a:rPr>
+              <a:t>등록할 상품의 이름</a:t>
+            </a:r>
+            <a:endParaRPr lang="en-US" altLang="ko-KR" sz="1400" dirty="0">
+              <a:latin typeface="배달의민족 도현" panose="020B0600000101010101" pitchFamily="50" charset="-127"/>
+              <a:ea typeface="배달의민족 도현" panose="020B0600000101010101" pitchFamily="50" charset="-127"/>
+            </a:endParaRPr>
+          </a:p>
+          <a:p>
+            <a:pPr latinLnBrk="0">
+              <a:spcAft>
+                <a:spcPts val="600"/>
+              </a:spcAft>
+            </a:pPr>
+            <a:endParaRPr lang="en-US" altLang="ko-KR" sz="800" dirty="0">
+              <a:latin typeface="배달의민족 도현" panose="020B0600000101010101" pitchFamily="50" charset="-127"/>
+              <a:ea typeface="배달의민족 도현" panose="020B0600000101010101" pitchFamily="50" charset="-127"/>
+            </a:endParaRPr>
+          </a:p>
+          <a:p>
+            <a:pPr indent="-228600" latinLnBrk="0">
+              <a:spcAft>
+                <a:spcPts val="600"/>
+              </a:spcAft>
+              <a:buFont typeface="Arial" panose="020B0604020202020204" pitchFamily="34" charset="0"/>
+              <a:buChar char="•"/>
+            </a:pPr>
+            <a:r>
+              <a:rPr lang="en-US" altLang="ko-KR" sz="1400" dirty="0">
+                <a:solidFill>
+                  <a:srgbClr val="FEAF00"/>
+                </a:solidFill>
+                <a:latin typeface="배달의민족 도현" panose="020B0600000101010101" pitchFamily="50" charset="-127"/>
+                <a:ea typeface="배달의민족 도현" panose="020B0600000101010101" pitchFamily="50" charset="-127"/>
+              </a:rPr>
+              <a:t>Price</a:t>
+            </a:r>
+            <a:r>
+              <a:rPr lang="ko-KR" altLang="en-US" sz="1400" dirty="0">
+                <a:latin typeface="배달의민족 도현" panose="020B0600000101010101" pitchFamily="50" charset="-127"/>
+                <a:ea typeface="배달의민족 도현" panose="020B0600000101010101" pitchFamily="50" charset="-127"/>
+              </a:rPr>
+              <a:t> </a:t>
+            </a:r>
+            <a:r>
+              <a:rPr lang="en-US" altLang="ko-KR" sz="1400" dirty="0">
+                <a:latin typeface="배달의민족 도현" panose="020B0600000101010101" pitchFamily="50" charset="-127"/>
+                <a:ea typeface="배달의민족 도현" panose="020B0600000101010101" pitchFamily="50" charset="-127"/>
+              </a:rPr>
+              <a:t>: </a:t>
+            </a:r>
+            <a:r>
+              <a:rPr lang="ko-KR" altLang="en-US" sz="1400" dirty="0">
+                <a:latin typeface="배달의민족 도현" panose="020B0600000101010101" pitchFamily="50" charset="-127"/>
+                <a:ea typeface="배달의민족 도현" panose="020B0600000101010101" pitchFamily="50" charset="-127"/>
+              </a:rPr>
+              <a:t>등록할 상품의 </a:t>
+            </a:r>
+            <a:r>
+              <a:rPr lang="ko-KR" altLang="en-US" sz="1400" dirty="0">
+                <a:solidFill>
+                  <a:srgbClr val="FEAF00"/>
+                </a:solidFill>
+                <a:latin typeface="배달의민족 도현" panose="020B0600000101010101" pitchFamily="50" charset="-127"/>
+                <a:ea typeface="배달의민족 도현" panose="020B0600000101010101" pitchFamily="50" charset="-127"/>
+              </a:rPr>
+              <a:t>코인</a:t>
+            </a:r>
+            <a:r>
+              <a:rPr lang="ko-KR" altLang="en-US" sz="1400" dirty="0">
+                <a:latin typeface="배달의민족 도현" panose="020B0600000101010101" pitchFamily="50" charset="-127"/>
+                <a:ea typeface="배달의민족 도현" panose="020B0600000101010101" pitchFamily="50" charset="-127"/>
+              </a:rPr>
+              <a:t> 가격</a:t>
+            </a:r>
+            <a:r>
+              <a:rPr lang="en-US" altLang="ko-KR" sz="1400" dirty="0">
+                <a:latin typeface="배달의민족 도현" panose="020B0600000101010101" pitchFamily="50" charset="-127"/>
+                <a:ea typeface="배달의민족 도현" panose="020B0600000101010101" pitchFamily="50" charset="-127"/>
+              </a:rPr>
+              <a:t> </a:t>
+            </a:r>
+          </a:p>
+          <a:p>
+            <a:pPr indent="-228600" latinLnBrk="0">
+              <a:spcAft>
+                <a:spcPts val="600"/>
+              </a:spcAft>
+              <a:buFont typeface="Arial" panose="020B0604020202020204" pitchFamily="34" charset="0"/>
+              <a:buChar char="•"/>
+            </a:pPr>
+            <a:endParaRPr lang="en-US" altLang="ko-KR" sz="800" dirty="0">
+              <a:latin typeface="배달의민족 도현" panose="020B0600000101010101" pitchFamily="50" charset="-127"/>
+              <a:ea typeface="배달의민족 도현" panose="020B0600000101010101" pitchFamily="50" charset="-127"/>
+            </a:endParaRPr>
+          </a:p>
+          <a:p>
+            <a:pPr indent="-228600" latinLnBrk="0">
+              <a:spcAft>
+                <a:spcPts val="600"/>
+              </a:spcAft>
+              <a:buFont typeface="Arial" panose="020B0604020202020204" pitchFamily="34" charset="0"/>
+              <a:buChar char="•"/>
+            </a:pPr>
+            <a:r>
+              <a:rPr lang="en-US" altLang="ko-KR" sz="1400" dirty="0">
+                <a:latin typeface="배달의민족 도현" panose="020B0600000101010101" pitchFamily="50" charset="-127"/>
+                <a:ea typeface="배달의민족 도현" panose="020B0600000101010101" pitchFamily="50" charset="-127"/>
+              </a:rPr>
+              <a:t>Image</a:t>
+            </a:r>
+            <a:r>
+              <a:rPr lang="ko-KR" altLang="en-US" sz="1400" dirty="0">
+                <a:latin typeface="배달의민족 도현" panose="020B0600000101010101" pitchFamily="50" charset="-127"/>
+                <a:ea typeface="배달의민족 도현" panose="020B0600000101010101" pitchFamily="50" charset="-127"/>
+              </a:rPr>
+              <a:t> </a:t>
+            </a:r>
+            <a:r>
+              <a:rPr lang="en-US" altLang="ko-KR" sz="1400" dirty="0">
+                <a:latin typeface="배달의민족 도현" panose="020B0600000101010101" pitchFamily="50" charset="-127"/>
+                <a:ea typeface="배달의민족 도현" panose="020B0600000101010101" pitchFamily="50" charset="-127"/>
+              </a:rPr>
+              <a:t>: </a:t>
+            </a:r>
+            <a:r>
+              <a:rPr lang="ko-KR" altLang="en-US" sz="1400" dirty="0">
+                <a:latin typeface="배달의민족 도현" panose="020B0600000101010101" pitchFamily="50" charset="-127"/>
+                <a:ea typeface="배달의민족 도현" panose="020B0600000101010101" pitchFamily="50" charset="-127"/>
+              </a:rPr>
+              <a:t>등록할 상품의 이미지를 </a:t>
+            </a:r>
+            <a:br>
+              <a:rPr lang="en-US" altLang="ko-KR" sz="1400" dirty="0">
+                <a:latin typeface="배달의민족 도현" panose="020B0600000101010101" pitchFamily="50" charset="-127"/>
+                <a:ea typeface="배달의민족 도현" panose="020B0600000101010101" pitchFamily="50" charset="-127"/>
+              </a:rPr>
+            </a:br>
+            <a:r>
+              <a:rPr lang="en-US" altLang="ko-KR" sz="1400" dirty="0">
+                <a:latin typeface="배달의민족 도현" panose="020B0600000101010101" pitchFamily="50" charset="-127"/>
+                <a:ea typeface="배달의민족 도현" panose="020B0600000101010101" pitchFamily="50" charset="-127"/>
+              </a:rPr>
+              <a:t>    </a:t>
+            </a:r>
+            <a:r>
+              <a:rPr lang="ko-KR" altLang="en-US" sz="1400" dirty="0">
+                <a:latin typeface="배달의민족 도현" panose="020B0600000101010101" pitchFamily="50" charset="-127"/>
+                <a:ea typeface="배달의민족 도현" panose="020B0600000101010101" pitchFamily="50" charset="-127"/>
+              </a:rPr>
+              <a:t>컴퓨터 내에서 찾고</a:t>
+            </a:r>
+            <a:r>
+              <a:rPr lang="en-US" altLang="ko-KR" sz="1400" dirty="0">
+                <a:latin typeface="배달의민족 도현" panose="020B0600000101010101" pitchFamily="50" charset="-127"/>
+                <a:ea typeface="배달의민족 도현" panose="020B0600000101010101" pitchFamily="50" charset="-127"/>
+              </a:rPr>
+              <a:t> </a:t>
+            </a:r>
+            <a:r>
+              <a:rPr lang="ko-KR" altLang="en-US" sz="1400" dirty="0">
+                <a:latin typeface="배달의민족 도현" panose="020B0600000101010101" pitchFamily="50" charset="-127"/>
+                <a:ea typeface="배달의민족 도현" panose="020B0600000101010101" pitchFamily="50" charset="-127"/>
+              </a:rPr>
+              <a:t>업로드</a:t>
+            </a:r>
+            <a:endParaRPr lang="en-US" altLang="ko-KR" sz="1400" dirty="0">
+              <a:latin typeface="배달의민족 도현" panose="020B0600000101010101" pitchFamily="50" charset="-127"/>
+              <a:ea typeface="배달의민족 도현" panose="020B0600000101010101" pitchFamily="50" charset="-127"/>
+            </a:endParaRPr>
+          </a:p>
+          <a:p>
+            <a:pPr indent="-228600" latinLnBrk="0">
+              <a:spcAft>
+                <a:spcPts val="600"/>
+              </a:spcAft>
+              <a:buFont typeface="Arial" panose="020B0604020202020204" pitchFamily="34" charset="0"/>
+              <a:buChar char="•"/>
+            </a:pPr>
+            <a:endParaRPr lang="en-US" altLang="ko-KR" sz="800" dirty="0">
+              <a:latin typeface="배달의민족 도현" panose="020B0600000101010101" pitchFamily="50" charset="-127"/>
+              <a:ea typeface="배달의민족 도현" panose="020B0600000101010101" pitchFamily="50" charset="-127"/>
+            </a:endParaRPr>
+          </a:p>
+          <a:p>
+            <a:pPr indent="-228600" latinLnBrk="0">
+              <a:spcAft>
+                <a:spcPts val="600"/>
+              </a:spcAft>
+              <a:buFont typeface="Arial" panose="020B0604020202020204" pitchFamily="34" charset="0"/>
+              <a:buChar char="•"/>
+            </a:pPr>
+            <a:r>
+              <a:rPr lang="ko-KR" altLang="en-US" sz="1400" dirty="0">
+                <a:latin typeface="배달의민족 도현" panose="020B0600000101010101" pitchFamily="50" charset="-127"/>
+                <a:ea typeface="배달의민족 도현" panose="020B0600000101010101" pitchFamily="50" charset="-127"/>
+              </a:rPr>
+              <a:t>추가 </a:t>
+            </a:r>
+            <a:r>
+              <a:rPr lang="en-US" altLang="ko-KR" sz="1400" dirty="0">
+                <a:latin typeface="배달의민족 도현" panose="020B0600000101010101" pitchFamily="50" charset="-127"/>
+                <a:ea typeface="배달의민족 도현" panose="020B0600000101010101" pitchFamily="50" charset="-127"/>
+              </a:rPr>
+              <a:t>: </a:t>
+            </a:r>
+            <a:r>
+              <a:rPr lang="ko-KR" altLang="en-US" sz="1400" dirty="0">
+                <a:latin typeface="배달의민족 도현" panose="020B0600000101010101" pitchFamily="50" charset="-127"/>
+                <a:ea typeface="배달의민족 도현" panose="020B0600000101010101" pitchFamily="50" charset="-127"/>
+              </a:rPr>
+              <a:t>상품 등록</a:t>
+            </a:r>
+            <a:endParaRPr lang="en-US" altLang="ko-KR" sz="1400" dirty="0">
+              <a:latin typeface="배달의민족 도현" panose="020B0600000101010101" pitchFamily="50" charset="-127"/>
+              <a:ea typeface="배달의민족 도현" panose="020B0600000101010101" pitchFamily="50" charset="-127"/>
+            </a:endParaRPr>
+          </a:p>
+        </p:txBody>
+      </p:sp>
+      <p:pic>
+        <p:nvPicPr>
+          <p:cNvPr id="4" name="그림 3">
+            <a:extLst>
+              <a:ext uri="{FF2B5EF4-FFF2-40B4-BE49-F238E27FC236}">
+                <a16:creationId xmlns:a16="http://schemas.microsoft.com/office/drawing/2014/main" id="{D252D567-955F-D28D-2007-ACADEBD1F4F7}"/>
+              </a:ext>
+            </a:extLst>
+          </p:cNvPr>
+          <p:cNvPicPr>
+            <a:picLocks noChangeAspect="1"/>
+          </p:cNvPicPr>
+          <p:nvPr/>
+        </p:nvPicPr>
+        <p:blipFill>
+          <a:blip r:embed="rId2">
+            <a:extLst>
+              <a:ext uri="{28A0092B-C50C-407E-A947-70E740481C1C}">
+                <a14:useLocalDpi xmlns:a14="http://schemas.microsoft.com/office/drawing/2010/main" val="0"/>
+              </a:ext>
+            </a:extLst>
+          </a:blip>
+          <a:srcRect/>
+          <a:stretch/>
+        </p:blipFill>
+        <p:spPr>
+          <a:xfrm>
+            <a:off x="518359" y="1893157"/>
+            <a:ext cx="4263886" cy="3821487"/>
+          </a:xfrm>
+          <a:prstGeom prst="rect">
+            <a:avLst/>
+          </a:prstGeom>
+        </p:spPr>
+      </p:pic>
+    </p:spTree>
+    <p:extLst>
+      <p:ext uri="{BB962C8B-B14F-4D97-AF65-F5344CB8AC3E}">
+        <p14:creationId xmlns:p14="http://schemas.microsoft.com/office/powerpoint/2010/main" val="1448264331"/>
+      </p:ext>
+    </p:extLst>
+  </p:cSld>
+  <p:clrMapOvr>
+    <a:masterClrMapping/>
+  </p:clrMapOvr>
+</p:sld>
+</file>
+
+<file path=ppt/slides/slide22.xml><?xml version="1.0" encoding="utf-8"?>
+<p:sld xmlns:a="http://schemas.openxmlformats.org/drawingml/2006/main" xmlns:r="http://schemas.openxmlformats.org/officeDocument/2006/relationships" xmlns:p="http://schemas.openxmlformats.org/presentationml/2006/main">
+  <p:cSld>
+    <p:spTree>
+      <p:nvGrpSpPr>
+        <p:cNvPr id="1" name="">
+          <a:extLst>
+            <a:ext uri="{FF2B5EF4-FFF2-40B4-BE49-F238E27FC236}">
               <a16:creationId xmlns:a16="http://schemas.microsoft.com/office/drawing/2014/main" id="{E1008B2E-177E-B487-F13B-106B6236FC66}"/>
             </a:ext>
           </a:extLst>
@@ -10621,7 +11647,7 @@
 </p:sld>
 </file>
 
-<file path=ppt/slides/slide21.xml><?xml version="1.0" encoding="utf-8"?>
+<file path=ppt/slides/slide23.xml><?xml version="1.0" encoding="utf-8"?>
 <p:sld xmlns:a="http://schemas.openxmlformats.org/drawingml/2006/main" xmlns:r="http://schemas.openxmlformats.org/officeDocument/2006/relationships" xmlns:p="http://schemas.openxmlformats.org/presentationml/2006/main">
   <p:cSld>
     <p:spTree>
